--- a/HW2/API.pptx
+++ b/HW2/API.pptx
@@ -5,28 +5,30 @@
     <p:sldMasterId id="2147483648" r:id="rId1"/>
   </p:sldMasterIdLst>
   <p:notesMasterIdLst>
-    <p:notesMasterId r:id="rId18"/>
+    <p:notesMasterId r:id="rId20"/>
   </p:notesMasterIdLst>
   <p:handoutMasterIdLst>
-    <p:handoutMasterId r:id="rId19"/>
+    <p:handoutMasterId r:id="rId21"/>
   </p:handoutMasterIdLst>
   <p:sldIdLst>
     <p:sldId id="259" r:id="rId2"/>
-    <p:sldId id="260" r:id="rId3"/>
-    <p:sldId id="261" r:id="rId4"/>
-    <p:sldId id="274" r:id="rId5"/>
-    <p:sldId id="262" r:id="rId6"/>
-    <p:sldId id="263" r:id="rId7"/>
-    <p:sldId id="275" r:id="rId8"/>
-    <p:sldId id="264" r:id="rId9"/>
-    <p:sldId id="265" r:id="rId10"/>
-    <p:sldId id="266" r:id="rId11"/>
-    <p:sldId id="267" r:id="rId12"/>
-    <p:sldId id="269" r:id="rId13"/>
-    <p:sldId id="270" r:id="rId14"/>
-    <p:sldId id="271" r:id="rId15"/>
-    <p:sldId id="273" r:id="rId16"/>
-    <p:sldId id="276" r:id="rId17"/>
+    <p:sldId id="277" r:id="rId3"/>
+    <p:sldId id="278" r:id="rId4"/>
+    <p:sldId id="260" r:id="rId5"/>
+    <p:sldId id="261" r:id="rId6"/>
+    <p:sldId id="274" r:id="rId7"/>
+    <p:sldId id="262" r:id="rId8"/>
+    <p:sldId id="263" r:id="rId9"/>
+    <p:sldId id="275" r:id="rId10"/>
+    <p:sldId id="264" r:id="rId11"/>
+    <p:sldId id="265" r:id="rId12"/>
+    <p:sldId id="266" r:id="rId13"/>
+    <p:sldId id="267" r:id="rId14"/>
+    <p:sldId id="269" r:id="rId15"/>
+    <p:sldId id="270" r:id="rId16"/>
+    <p:sldId id="271" r:id="rId17"/>
+    <p:sldId id="273" r:id="rId18"/>
+    <p:sldId id="276" r:id="rId19"/>
   </p:sldIdLst>
   <p:sldSz cx="12192000" cy="6858000"/>
   <p:notesSz cx="6858000" cy="9144000"/>
@@ -135,6 +137,8 @@
         </p14:section>
         <p14:section name="API" id="{50C51D32-7315-4F19-9ABD-7D92A5292068}">
           <p14:sldIdLst>
+            <p14:sldId id="277"/>
+            <p14:sldId id="278"/>
             <p14:sldId id="260"/>
             <p14:sldId id="261"/>
             <p14:sldId id="274"/>
@@ -1926,7 +1930,7 @@
               <a:rPr lang="zh-TW" altLang="en-US" smtClean="0">
                 <a:ea typeface="標楷體" panose="03000509000000000000" pitchFamily="65" charset="-120"/>
               </a:rPr>
-              <a:t>2025/1/2</a:t>
+              <a:t>2025/1/9</a:t>
             </a:fld>
             <a:endParaRPr lang="zh-TW" altLang="en-US">
               <a:ea typeface="標楷體" panose="03000509000000000000" pitchFamily="65" charset="-120"/>
@@ -2104,7 +2108,7 @@
             <a:fld id="{2CB905C5-9D54-40E2-B40C-7996280CAB02}" type="datetimeFigureOut">
               <a:rPr lang="zh-TW" altLang="en-US" smtClean="0"/>
               <a:pPr/>
-              <a:t>2025/1/2</a:t>
+              <a:t>2025/1/9</a:t>
             </a:fld>
             <a:endParaRPr lang="zh-TW" altLang="en-US"/>
           </a:p>
@@ -2594,7 +2598,7 @@
           <a:p>
             <a:fld id="{0C0CC965-A63A-473D-BEFB-C8F9714D5269}" type="datetimeFigureOut">
               <a:rPr lang="zh-TW" altLang="en-US" smtClean="0"/>
-              <a:t>2025/1/2</a:t>
+              <a:t>2025/1/9</a:t>
             </a:fld>
             <a:endParaRPr lang="zh-TW" altLang="en-US"/>
           </a:p>
@@ -2762,7 +2766,7 @@
           <a:p>
             <a:fld id="{0C0CC965-A63A-473D-BEFB-C8F9714D5269}" type="datetimeFigureOut">
               <a:rPr lang="zh-TW" altLang="en-US" smtClean="0"/>
-              <a:t>2025/1/2</a:t>
+              <a:t>2025/1/9</a:t>
             </a:fld>
             <a:endParaRPr lang="zh-TW" altLang="en-US"/>
           </a:p>
@@ -2940,7 +2944,7 @@
           <a:p>
             <a:fld id="{0C0CC965-A63A-473D-BEFB-C8F9714D5269}" type="datetimeFigureOut">
               <a:rPr lang="zh-TW" altLang="en-US" smtClean="0"/>
-              <a:t>2025/1/2</a:t>
+              <a:t>2025/1/9</a:t>
             </a:fld>
             <a:endParaRPr lang="zh-TW" altLang="en-US"/>
           </a:p>
@@ -3135,7 +3139,7 @@
           <a:p>
             <a:fld id="{0C0CC965-A63A-473D-BEFB-C8F9714D5269}" type="datetimeFigureOut">
               <a:rPr lang="zh-TW" altLang="en-US" smtClean="0"/>
-              <a:t>2025/1/2</a:t>
+              <a:t>2025/1/9</a:t>
             </a:fld>
             <a:endParaRPr lang="zh-TW" altLang="en-US"/>
           </a:p>
@@ -3380,7 +3384,7 @@
           <a:p>
             <a:fld id="{0C0CC965-A63A-473D-BEFB-C8F9714D5269}" type="datetimeFigureOut">
               <a:rPr lang="zh-TW" altLang="en-US" smtClean="0"/>
-              <a:t>2025/1/2</a:t>
+              <a:t>2025/1/9</a:t>
             </a:fld>
             <a:endParaRPr lang="zh-TW" altLang="en-US"/>
           </a:p>
@@ -3609,7 +3613,7 @@
           <a:p>
             <a:fld id="{0C0CC965-A63A-473D-BEFB-C8F9714D5269}" type="datetimeFigureOut">
               <a:rPr lang="zh-TW" altLang="en-US" smtClean="0"/>
-              <a:t>2025/1/2</a:t>
+              <a:t>2025/1/9</a:t>
             </a:fld>
             <a:endParaRPr lang="zh-TW" altLang="en-US"/>
           </a:p>
@@ -3973,7 +3977,7 @@
           <a:p>
             <a:fld id="{0C0CC965-A63A-473D-BEFB-C8F9714D5269}" type="datetimeFigureOut">
               <a:rPr lang="zh-TW" altLang="en-US" smtClean="0"/>
-              <a:t>2025/1/2</a:t>
+              <a:t>2025/1/9</a:t>
             </a:fld>
             <a:endParaRPr lang="zh-TW" altLang="en-US"/>
           </a:p>
@@ -4090,7 +4094,7 @@
           <a:p>
             <a:fld id="{0C0CC965-A63A-473D-BEFB-C8F9714D5269}" type="datetimeFigureOut">
               <a:rPr lang="zh-TW" altLang="en-US" smtClean="0"/>
-              <a:t>2025/1/2</a:t>
+              <a:t>2025/1/9</a:t>
             </a:fld>
             <a:endParaRPr lang="zh-TW" altLang="en-US"/>
           </a:p>
@@ -4185,7 +4189,7 @@
           <a:p>
             <a:fld id="{0C0CC965-A63A-473D-BEFB-C8F9714D5269}" type="datetimeFigureOut">
               <a:rPr lang="zh-TW" altLang="en-US" smtClean="0"/>
-              <a:t>2025/1/2</a:t>
+              <a:t>2025/1/9</a:t>
             </a:fld>
             <a:endParaRPr lang="zh-TW" altLang="en-US"/>
           </a:p>
@@ -4460,7 +4464,7 @@
           <a:p>
             <a:fld id="{0C0CC965-A63A-473D-BEFB-C8F9714D5269}" type="datetimeFigureOut">
               <a:rPr lang="zh-TW" altLang="en-US" smtClean="0"/>
-              <a:t>2025/1/2</a:t>
+              <a:t>2025/1/9</a:t>
             </a:fld>
             <a:endParaRPr lang="zh-TW" altLang="en-US"/>
           </a:p>
@@ -4712,7 +4716,7 @@
           <a:p>
             <a:fld id="{0C0CC965-A63A-473D-BEFB-C8F9714D5269}" type="datetimeFigureOut">
               <a:rPr lang="zh-TW" altLang="en-US" smtClean="0"/>
-              <a:t>2025/1/2</a:t>
+              <a:t>2025/1/9</a:t>
             </a:fld>
             <a:endParaRPr lang="zh-TW" altLang="en-US"/>
           </a:p>
@@ -4926,7 +4930,7 @@
             <a:fld id="{0C0CC965-A63A-473D-BEFB-C8F9714D5269}" type="datetimeFigureOut">
               <a:rPr lang="zh-TW" altLang="en-US" smtClean="0"/>
               <a:pPr/>
-              <a:t>2025/1/2</a:t>
+              <a:t>2025/1/9</a:t>
             </a:fld>
             <a:endParaRPr lang="zh-TW" altLang="en-US"/>
           </a:p>
@@ -5662,6 +5666,935 @@
           <p:cNvPr id="2" name="內容版面配置區 1">
             <a:extLst>
               <a:ext uri="{FF2B5EF4-FFF2-40B4-BE49-F238E27FC236}">
+                <a16:creationId xmlns:a16="http://schemas.microsoft.com/office/drawing/2014/main" id="{5F1DE01D-F10D-0510-4D90-46E09D465281}"/>
+              </a:ext>
+            </a:extLst>
+          </p:cNvPr>
+          <p:cNvSpPr>
+            <a:spLocks noGrp="1"/>
+          </p:cNvSpPr>
+          <p:nvPr>
+            <p:ph idx="1"/>
+          </p:nvPr>
+        </p:nvSpPr>
+        <p:spPr/>
+        <p:txBody>
+          <a:bodyPr/>
+          <a:lstStyle/>
+          <a:p>
+            <a:r>
+              <a:rPr lang="zh-TW" altLang="en-US" dirty="0"/>
+              <a:t>功能描述 </a:t>
+            </a:r>
+            <a:r>
+              <a:rPr lang="en-US" altLang="zh-TW" dirty="0"/>
+              <a:t>:</a:t>
+            </a:r>
+            <a:r>
+              <a:rPr lang="zh-TW" altLang="en-US" dirty="0"/>
+              <a:t> </a:t>
+            </a:r>
+            <a:r>
+              <a:rPr lang="en-US" altLang="zh-TW" dirty="0"/>
+              <a:t>LBP </a:t>
+            </a:r>
+            <a:r>
+              <a:rPr lang="zh-TW" altLang="en-US" dirty="0"/>
+              <a:t>直方圖是對 </a:t>
+            </a:r>
+            <a:r>
+              <a:rPr lang="en-US" altLang="zh-TW" dirty="0"/>
+              <a:t>LBP </a:t>
+            </a:r>
+            <a:r>
+              <a:rPr lang="zh-TW" altLang="en-US" dirty="0"/>
+              <a:t>特徵圖統計各個 </a:t>
+            </a:r>
+            <a:r>
+              <a:rPr lang="en-US" altLang="zh-TW" dirty="0"/>
+              <a:t>LBP </a:t>
+            </a:r>
+            <a:r>
+              <a:rPr lang="zh-TW" altLang="en-US" dirty="0"/>
+              <a:t>值出現的頻率</a:t>
+            </a:r>
+            <a:r>
+              <a:rPr lang="en-US" altLang="zh-TW" dirty="0"/>
+              <a:t>,</a:t>
+            </a:r>
+            <a:r>
+              <a:rPr lang="zh-TW" altLang="en-US" dirty="0"/>
+              <a:t>用於描述圖像的紋理特徵。它是 </a:t>
+            </a:r>
+            <a:r>
+              <a:rPr lang="en-US" altLang="zh-TW" dirty="0"/>
+              <a:t>LBP </a:t>
+            </a:r>
+            <a:r>
+              <a:rPr lang="zh-TW" altLang="en-US" dirty="0"/>
+              <a:t>算法中常用的特徵表示形式</a:t>
+            </a:r>
+            <a:r>
+              <a:rPr lang="en-US" altLang="zh-TW" dirty="0"/>
+              <a:t>,</a:t>
+            </a:r>
+            <a:r>
+              <a:rPr lang="zh-TW" altLang="en-US" dirty="0"/>
+              <a:t>在圖像分類、人臉識別等領域廣泛應用。</a:t>
+            </a:r>
+            <a:endParaRPr lang="en-US" altLang="zh-TW" dirty="0"/>
+          </a:p>
+          <a:p>
+            <a:r>
+              <a:rPr lang="zh-TW" altLang="en-US" dirty="0"/>
+              <a:t>函式 </a:t>
+            </a:r>
+            <a:r>
+              <a:rPr lang="en-US" altLang="zh-TW" dirty="0"/>
+              <a:t>:</a:t>
+            </a:r>
+            <a:r>
+              <a:rPr lang="zh-TW" altLang="en-US" dirty="0"/>
+              <a:t> </a:t>
+            </a:r>
+            <a:r>
+              <a:rPr lang="en-US" altLang="zh-TW" dirty="0">
+                <a:effectLst/>
+              </a:rPr>
+              <a:t>def</a:t>
+            </a:r>
+            <a:r>
+              <a:rPr lang="en-US" altLang="zh-TW" dirty="0"/>
+              <a:t> </a:t>
+            </a:r>
+            <a:r>
+              <a:rPr lang="en-US" altLang="zh-TW" dirty="0" err="1">
+                <a:effectLst/>
+              </a:rPr>
+              <a:t>lbp_histogram</a:t>
+            </a:r>
+            <a:r>
+              <a:rPr lang="en-US" altLang="zh-TW" dirty="0">
+                <a:effectLst/>
+              </a:rPr>
+              <a:t>(</a:t>
+            </a:r>
+            <a:r>
+              <a:rPr lang="en-US" altLang="zh-TW" dirty="0" err="1"/>
+              <a:t>lbp_image</a:t>
+            </a:r>
+            <a:r>
+              <a:rPr lang="en-US" altLang="zh-TW" dirty="0">
+                <a:effectLst/>
+              </a:rPr>
+              <a:t>,</a:t>
+            </a:r>
+            <a:r>
+              <a:rPr lang="en-US" altLang="zh-TW" dirty="0"/>
+              <a:t> normalize</a:t>
+            </a:r>
+            <a:r>
+              <a:rPr lang="en-US" altLang="zh-TW" dirty="0">
+                <a:effectLst/>
+              </a:rPr>
+              <a:t>=True)</a:t>
+            </a:r>
+          </a:p>
+          <a:p>
+            <a:endParaRPr lang="en-US" altLang="zh-TW" dirty="0"/>
+          </a:p>
+          <a:p>
+            <a:endParaRPr lang="en-US" altLang="zh-TW" dirty="0">
+              <a:effectLst/>
+            </a:endParaRPr>
+          </a:p>
+          <a:p>
+            <a:endParaRPr lang="en-US" altLang="zh-TW" dirty="0"/>
+          </a:p>
+          <a:p>
+            <a:endParaRPr lang="en-US" altLang="zh-TW" dirty="0">
+              <a:effectLst/>
+            </a:endParaRPr>
+          </a:p>
+          <a:p>
+            <a:r>
+              <a:rPr lang="zh-TW" altLang="en-US" dirty="0"/>
+              <a:t>返回值 </a:t>
+            </a:r>
+            <a:r>
+              <a:rPr lang="en-US" altLang="zh-TW" dirty="0"/>
+              <a:t>:</a:t>
+            </a:r>
+            <a:r>
+              <a:rPr lang="zh-TW" altLang="en-US" dirty="0"/>
+              <a:t> </a:t>
+            </a:r>
+            <a:r>
+              <a:rPr lang="en-US" altLang="zh-TW" dirty="0" err="1"/>
+              <a:t>numpy.ndarray</a:t>
+            </a:r>
+            <a:r>
+              <a:rPr lang="zh-TW" altLang="en-US" dirty="0"/>
+              <a:t>、</a:t>
+            </a:r>
+            <a:r>
+              <a:rPr lang="en-US" altLang="zh-TW" dirty="0" err="1"/>
+              <a:t>lbp</a:t>
+            </a:r>
+            <a:r>
+              <a:rPr lang="zh-TW" altLang="en-US" dirty="0"/>
+              <a:t>直方圖</a:t>
+            </a:r>
+            <a:endParaRPr lang="en-US" altLang="zh-TW" dirty="0">
+              <a:effectLst/>
+            </a:endParaRPr>
+          </a:p>
+          <a:p>
+            <a:endParaRPr lang="en-US" altLang="zh-TW" dirty="0"/>
+          </a:p>
+        </p:txBody>
+      </p:sp>
+      <p:sp>
+        <p:nvSpPr>
+          <p:cNvPr id="3" name="標題 2">
+            <a:extLst>
+              <a:ext uri="{FF2B5EF4-FFF2-40B4-BE49-F238E27FC236}">
+                <a16:creationId xmlns:a16="http://schemas.microsoft.com/office/drawing/2014/main" id="{E46AAC44-021F-AA42-52E0-04F281604C1C}"/>
+              </a:ext>
+            </a:extLst>
+          </p:cNvPr>
+          <p:cNvSpPr>
+            <a:spLocks noGrp="1"/>
+          </p:cNvSpPr>
+          <p:nvPr>
+            <p:ph type="title"/>
+          </p:nvPr>
+        </p:nvSpPr>
+        <p:spPr/>
+        <p:txBody>
+          <a:bodyPr/>
+          <a:lstStyle/>
+          <a:p>
+            <a:r>
+              <a:rPr lang="en-US" altLang="zh-TW" dirty="0"/>
+              <a:t>histogram</a:t>
+            </a:r>
+            <a:endParaRPr lang="zh-TW" altLang="en-US" dirty="0"/>
+          </a:p>
+        </p:txBody>
+      </p:sp>
+      <p:graphicFrame>
+        <p:nvGraphicFramePr>
+          <p:cNvPr id="4" name="表格 8">
+            <a:extLst>
+              <a:ext uri="{FF2B5EF4-FFF2-40B4-BE49-F238E27FC236}">
+                <a16:creationId xmlns:a16="http://schemas.microsoft.com/office/drawing/2014/main" id="{D64CD24B-2B25-7193-54E6-F69EA5941A4A}"/>
+              </a:ext>
+            </a:extLst>
+          </p:cNvPr>
+          <p:cNvGraphicFramePr>
+            <a:graphicFrameLocks noGrp="1"/>
+          </p:cNvGraphicFramePr>
+          <p:nvPr>
+            <p:extLst>
+              <p:ext uri="{D42A27DB-BD31-4B8C-83A1-F6EECF244321}">
+                <p14:modId xmlns:p14="http://schemas.microsoft.com/office/powerpoint/2010/main" val="2687758648"/>
+              </p:ext>
+            </p:extLst>
+          </p:nvPr>
+        </p:nvGraphicFramePr>
+        <p:xfrm>
+          <a:off x="987491" y="1981419"/>
+          <a:ext cx="10929258" cy="972495"/>
+        </p:xfrm>
+        <a:graphic>
+          <a:graphicData uri="http://schemas.openxmlformats.org/drawingml/2006/table">
+            <a:tbl>
+              <a:tblPr firstRow="1" bandRow="1">
+                <a:tableStyleId>{5C22544A-7EE6-4342-B048-85BDC9FD1C3A}</a:tableStyleId>
+              </a:tblPr>
+              <a:tblGrid>
+                <a:gridCol w="3224414">
+                  <a:extLst>
+                    <a:ext uri="{9D8B030D-6E8A-4147-A177-3AD203B41FA5}">
+                      <a16:colId xmlns:a16="http://schemas.microsoft.com/office/drawing/2014/main" val="175491985"/>
+                    </a:ext>
+                  </a:extLst>
+                </a:gridCol>
+                <a:gridCol w="1624474">
+                  <a:extLst>
+                    <a:ext uri="{9D8B030D-6E8A-4147-A177-3AD203B41FA5}">
+                      <a16:colId xmlns:a16="http://schemas.microsoft.com/office/drawing/2014/main" val="822259094"/>
+                    </a:ext>
+                  </a:extLst>
+                </a:gridCol>
+                <a:gridCol w="6080370">
+                  <a:extLst>
+                    <a:ext uri="{9D8B030D-6E8A-4147-A177-3AD203B41FA5}">
+                      <a16:colId xmlns:a16="http://schemas.microsoft.com/office/drawing/2014/main" val="4104166654"/>
+                    </a:ext>
+                  </a:extLst>
+                </a:gridCol>
+              </a:tblGrid>
+              <a:tr h="298300">
+                <a:tc>
+                  <a:txBody>
+                    <a:bodyPr/>
+                    <a:lstStyle/>
+                    <a:p>
+                      <a:r>
+                        <a:rPr lang="zh-TW" altLang="en-US" sz="1200" baseline="0" dirty="0">
+                          <a:latin typeface="標楷體" panose="03000509000000000000" pitchFamily="65" charset="-120"/>
+                          <a:ea typeface="標楷體" panose="03000509000000000000" pitchFamily="65" charset="-120"/>
+                        </a:rPr>
+                        <a:t>參數</a:t>
+                      </a:r>
+                    </a:p>
+                  </a:txBody>
+                  <a:tcPr/>
+                </a:tc>
+                <a:tc>
+                  <a:txBody>
+                    <a:bodyPr/>
+                    <a:lstStyle/>
+                    <a:p>
+                      <a:r>
+                        <a:rPr lang="zh-TW" altLang="en-US" sz="1200" baseline="0" dirty="0">
+                          <a:latin typeface="標楷體" panose="03000509000000000000" pitchFamily="65" charset="-120"/>
+                          <a:ea typeface="標楷體" panose="03000509000000000000" pitchFamily="65" charset="-120"/>
+                        </a:rPr>
+                        <a:t>類型</a:t>
+                      </a:r>
+                    </a:p>
+                  </a:txBody>
+                  <a:tcPr/>
+                </a:tc>
+                <a:tc>
+                  <a:txBody>
+                    <a:bodyPr/>
+                    <a:lstStyle/>
+                    <a:p>
+                      <a:r>
+                        <a:rPr lang="zh-TW" altLang="en-US" sz="1200" baseline="0" dirty="0">
+                          <a:latin typeface="標楷體" panose="03000509000000000000" pitchFamily="65" charset="-120"/>
+                          <a:ea typeface="標楷體" panose="03000509000000000000" pitchFamily="65" charset="-120"/>
+                        </a:rPr>
+                        <a:t>說明</a:t>
+                      </a:r>
+                    </a:p>
+                  </a:txBody>
+                  <a:tcPr/>
+                </a:tc>
+                <a:extLst>
+                  <a:ext uri="{0D108BD9-81ED-4DB2-BD59-A6C34878D82A}">
+                    <a16:rowId xmlns:a16="http://schemas.microsoft.com/office/drawing/2014/main" val="3131740815"/>
+                  </a:ext>
+                </a:extLst>
+              </a:tr>
+              <a:tr h="367125">
+                <a:tc>
+                  <a:txBody>
+                    <a:bodyPr/>
+                    <a:lstStyle/>
+                    <a:p>
+                      <a:r>
+                        <a:rPr lang="en-US" altLang="zh-TW" sz="1200" dirty="0" err="1">
+                          <a:latin typeface="Times New Roman" panose="02020603050405020304" pitchFamily="18" charset="0"/>
+                          <a:cs typeface="Times New Roman" panose="02020603050405020304" pitchFamily="18" charset="0"/>
+                        </a:rPr>
+                        <a:t>lbp_image</a:t>
+                      </a:r>
+                      <a:r>
+                        <a:rPr lang="en-US" altLang="zh-TW" sz="1200" dirty="0">
+                          <a:latin typeface="Times New Roman" panose="02020603050405020304" pitchFamily="18" charset="0"/>
+                          <a:cs typeface="Times New Roman" panose="02020603050405020304" pitchFamily="18" charset="0"/>
+                        </a:rPr>
+                        <a:t>: </a:t>
+                      </a:r>
+                      <a:r>
+                        <a:rPr lang="zh-TW" altLang="en-US" sz="1200" dirty="0">
+                          <a:latin typeface="標楷體" panose="03000509000000000000" pitchFamily="65" charset="-120"/>
+                          <a:ea typeface="標楷體" panose="03000509000000000000" pitchFamily="65" charset="-120"/>
+                        </a:rPr>
+                        <a:t>輸入 </a:t>
+                      </a:r>
+                      <a:r>
+                        <a:rPr lang="en-US" altLang="zh-TW" sz="1200" dirty="0">
+                          <a:latin typeface="標楷體" panose="03000509000000000000" pitchFamily="65" charset="-120"/>
+                          <a:ea typeface="標楷體" panose="03000509000000000000" pitchFamily="65" charset="-120"/>
+                        </a:rPr>
+                        <a:t>LBP </a:t>
+                      </a:r>
+                      <a:r>
+                        <a:rPr lang="zh-TW" altLang="en-US" sz="1200" dirty="0">
+                          <a:latin typeface="標楷體" panose="03000509000000000000" pitchFamily="65" charset="-120"/>
+                          <a:ea typeface="標楷體" panose="03000509000000000000" pitchFamily="65" charset="-120"/>
+                        </a:rPr>
+                        <a:t>特徵圖</a:t>
+                      </a:r>
+                      <a:endParaRPr lang="en-US" altLang="zh-TW" sz="1200" baseline="0" dirty="0">
+                        <a:latin typeface="標楷體" panose="03000509000000000000" pitchFamily="65" charset="-120"/>
+                        <a:ea typeface="標楷體" panose="03000509000000000000" pitchFamily="65" charset="-120"/>
+                        <a:cs typeface="Times New Roman" panose="02020603050405020304" pitchFamily="18" charset="0"/>
+                      </a:endParaRPr>
+                    </a:p>
+                  </a:txBody>
+                  <a:tcPr/>
+                </a:tc>
+                <a:tc>
+                  <a:txBody>
+                    <a:bodyPr/>
+                    <a:lstStyle/>
+                    <a:p>
+                      <a:r>
+                        <a:rPr lang="en-US" altLang="zh-TW" sz="1200" baseline="0" dirty="0">
+                          <a:latin typeface="Times New Roman" panose="02020603050405020304" pitchFamily="18" charset="0"/>
+                          <a:ea typeface="標楷體" panose="03000509000000000000" pitchFamily="65" charset="-120"/>
+                          <a:cs typeface="Times New Roman" panose="02020603050405020304" pitchFamily="18" charset="0"/>
+                        </a:rPr>
+                        <a:t>numpy.ndarray</a:t>
+                      </a:r>
+                      <a:endParaRPr lang="zh-TW" altLang="en-US" sz="1200" baseline="0" dirty="0">
+                        <a:latin typeface="Times New Roman" panose="02020603050405020304" pitchFamily="18" charset="0"/>
+                        <a:ea typeface="標楷體" panose="03000509000000000000" pitchFamily="65" charset="-120"/>
+                        <a:cs typeface="Times New Roman" panose="02020603050405020304" pitchFamily="18" charset="0"/>
+                      </a:endParaRPr>
+                    </a:p>
+                  </a:txBody>
+                  <a:tcPr/>
+                </a:tc>
+                <a:tc>
+                  <a:txBody>
+                    <a:bodyPr/>
+                    <a:lstStyle/>
+                    <a:p>
+                      <a:r>
+                        <a:rPr lang="zh-TW" altLang="en-US" sz="1200" dirty="0">
+                          <a:latin typeface="標楷體" panose="03000509000000000000" pitchFamily="65" charset="-120"/>
+                          <a:ea typeface="標楷體" panose="03000509000000000000" pitchFamily="65" charset="-120"/>
+                        </a:rPr>
+                        <a:t>必須是單通道 </a:t>
+                      </a:r>
+                      <a:r>
+                        <a:rPr lang="en-US" altLang="zh-TW" sz="1200" dirty="0">
+                          <a:latin typeface="Times New Roman" panose="02020603050405020304" pitchFamily="18" charset="0"/>
+                          <a:ea typeface="標楷體" panose="03000509000000000000" pitchFamily="65" charset="-120"/>
+                          <a:cs typeface="Times New Roman" panose="02020603050405020304" pitchFamily="18" charset="0"/>
+                        </a:rPr>
+                        <a:t>uint8</a:t>
+                      </a:r>
+                      <a:r>
+                        <a:rPr lang="en-US" altLang="zh-TW" sz="1200" dirty="0">
+                          <a:latin typeface="標楷體" panose="03000509000000000000" pitchFamily="65" charset="-120"/>
+                          <a:ea typeface="標楷體" panose="03000509000000000000" pitchFamily="65" charset="-120"/>
+                        </a:rPr>
+                        <a:t> </a:t>
+                      </a:r>
+                      <a:r>
+                        <a:rPr lang="zh-TW" altLang="en-US" sz="1200" dirty="0">
+                          <a:latin typeface="標楷體" panose="03000509000000000000" pitchFamily="65" charset="-120"/>
+                          <a:ea typeface="標楷體" panose="03000509000000000000" pitchFamily="65" charset="-120"/>
+                        </a:rPr>
+                        <a:t>格式的 </a:t>
+                      </a:r>
+                      <a:r>
+                        <a:rPr lang="en-US" altLang="zh-TW" sz="1200" dirty="0">
+                          <a:latin typeface="Times New Roman" panose="02020603050405020304" pitchFamily="18" charset="0"/>
+                          <a:ea typeface="標楷體" panose="03000509000000000000" pitchFamily="65" charset="-120"/>
+                          <a:cs typeface="Times New Roman" panose="02020603050405020304" pitchFamily="18" charset="0"/>
+                        </a:rPr>
+                        <a:t>LBP</a:t>
+                      </a:r>
+                      <a:r>
+                        <a:rPr lang="en-US" altLang="zh-TW" sz="1200" dirty="0">
+                          <a:latin typeface="標楷體" panose="03000509000000000000" pitchFamily="65" charset="-120"/>
+                          <a:ea typeface="標楷體" panose="03000509000000000000" pitchFamily="65" charset="-120"/>
+                        </a:rPr>
+                        <a:t> </a:t>
+                      </a:r>
+                      <a:r>
+                        <a:rPr lang="zh-TW" altLang="en-US" sz="1200" dirty="0">
+                          <a:latin typeface="標楷體" panose="03000509000000000000" pitchFamily="65" charset="-120"/>
+                          <a:ea typeface="標楷體" panose="03000509000000000000" pitchFamily="65" charset="-120"/>
+                        </a:rPr>
+                        <a:t>特徵圖</a:t>
+                      </a:r>
+                      <a:endParaRPr lang="zh-TW" altLang="en-US" sz="1200" baseline="0" dirty="0">
+                        <a:latin typeface="標楷體" panose="03000509000000000000" pitchFamily="65" charset="-120"/>
+                        <a:ea typeface="標楷體" panose="03000509000000000000" pitchFamily="65" charset="-120"/>
+                        <a:cs typeface="Times New Roman" panose="02020603050405020304" pitchFamily="18" charset="0"/>
+                      </a:endParaRPr>
+                    </a:p>
+                  </a:txBody>
+                  <a:tcPr/>
+                </a:tc>
+                <a:extLst>
+                  <a:ext uri="{0D108BD9-81ED-4DB2-BD59-A6C34878D82A}">
+                    <a16:rowId xmlns:a16="http://schemas.microsoft.com/office/drawing/2014/main" val="2878939569"/>
+                  </a:ext>
+                </a:extLst>
+              </a:tr>
+              <a:tr h="307070">
+                <a:tc>
+                  <a:txBody>
+                    <a:bodyPr/>
+                    <a:lstStyle/>
+                    <a:p>
+                      <a:r>
+                        <a:rPr lang="en-US" altLang="zh-TW" sz="1200" dirty="0">
+                          <a:latin typeface="Times New Roman" panose="02020603050405020304" pitchFamily="18" charset="0"/>
+                          <a:cs typeface="Times New Roman" panose="02020603050405020304" pitchFamily="18" charset="0"/>
+                        </a:rPr>
+                        <a:t>normalize</a:t>
+                      </a:r>
+                      <a:r>
+                        <a:rPr lang="en-US" altLang="zh-TW" sz="1200" dirty="0"/>
+                        <a:t>: </a:t>
+                      </a:r>
+                      <a:r>
+                        <a:rPr lang="zh-TW" altLang="en-US" sz="1200" dirty="0">
+                          <a:latin typeface="標楷體" panose="03000509000000000000" pitchFamily="65" charset="-120"/>
+                          <a:ea typeface="標楷體" panose="03000509000000000000" pitchFamily="65" charset="-120"/>
+                        </a:rPr>
+                        <a:t>是否對直方圖進行歸一化</a:t>
+                      </a:r>
+                      <a:endParaRPr lang="zh-TW" altLang="en-US" sz="1200" baseline="0" dirty="0">
+                        <a:latin typeface="標楷體" panose="03000509000000000000" pitchFamily="65" charset="-120"/>
+                        <a:ea typeface="標楷體" panose="03000509000000000000" pitchFamily="65" charset="-120"/>
+                      </a:endParaRPr>
+                    </a:p>
+                  </a:txBody>
+                  <a:tcPr/>
+                </a:tc>
+                <a:tc>
+                  <a:txBody>
+                    <a:bodyPr/>
+                    <a:lstStyle/>
+                    <a:p>
+                      <a:r>
+                        <a:rPr lang="en-US" altLang="zh-TW" sz="1200" baseline="0" dirty="0">
+                          <a:latin typeface="Times New Roman" panose="02020603050405020304" pitchFamily="18" charset="0"/>
+                          <a:ea typeface="標楷體" panose="03000509000000000000" pitchFamily="65" charset="-120"/>
+                          <a:cs typeface="Times New Roman" panose="02020603050405020304" pitchFamily="18" charset="0"/>
+                        </a:rPr>
+                        <a:t>bool</a:t>
+                      </a:r>
+                      <a:endParaRPr lang="zh-TW" altLang="en-US" sz="1200" baseline="0" dirty="0">
+                        <a:latin typeface="Times New Roman" panose="02020603050405020304" pitchFamily="18" charset="0"/>
+                        <a:ea typeface="標楷體" panose="03000509000000000000" pitchFamily="65" charset="-120"/>
+                        <a:cs typeface="Times New Roman" panose="02020603050405020304" pitchFamily="18" charset="0"/>
+                      </a:endParaRPr>
+                    </a:p>
+                  </a:txBody>
+                  <a:tcPr/>
+                </a:tc>
+                <a:tc>
+                  <a:txBody>
+                    <a:bodyPr/>
+                    <a:lstStyle/>
+                    <a:p>
+                      <a:r>
+                        <a:rPr lang="zh-TW" altLang="en-US" sz="1200" dirty="0">
+                          <a:latin typeface="標楷體" panose="03000509000000000000" pitchFamily="65" charset="-120"/>
+                          <a:ea typeface="標楷體" panose="03000509000000000000" pitchFamily="65" charset="-120"/>
+                        </a:rPr>
+                        <a:t>如果設為 </a:t>
+                      </a:r>
+                      <a:r>
+                        <a:rPr lang="en-US" altLang="zh-TW" sz="1200" dirty="0">
+                          <a:latin typeface="Times New Roman" panose="02020603050405020304" pitchFamily="18" charset="0"/>
+                          <a:ea typeface="標楷體" panose="03000509000000000000" pitchFamily="65" charset="-120"/>
+                          <a:cs typeface="Times New Roman" panose="02020603050405020304" pitchFamily="18" charset="0"/>
+                        </a:rPr>
+                        <a:t>True</a:t>
+                      </a:r>
+                      <a:r>
+                        <a:rPr lang="en-US" altLang="zh-TW" sz="1200" dirty="0">
+                          <a:latin typeface="標楷體" panose="03000509000000000000" pitchFamily="65" charset="-120"/>
+                          <a:ea typeface="標楷體" panose="03000509000000000000" pitchFamily="65" charset="-120"/>
+                        </a:rPr>
+                        <a:t>,</a:t>
+                      </a:r>
+                      <a:r>
+                        <a:rPr lang="zh-TW" altLang="en-US" sz="1200" dirty="0">
+                          <a:latin typeface="標楷體" panose="03000509000000000000" pitchFamily="65" charset="-120"/>
+                          <a:ea typeface="標楷體" panose="03000509000000000000" pitchFamily="65" charset="-120"/>
+                        </a:rPr>
+                        <a:t>直方圖值會被歸一化到 </a:t>
+                      </a:r>
+                      <a:r>
+                        <a:rPr lang="en-US" altLang="zh-TW" sz="1200" dirty="0">
+                          <a:latin typeface="Times New Roman" panose="02020603050405020304" pitchFamily="18" charset="0"/>
+                          <a:ea typeface="標楷體" panose="03000509000000000000" pitchFamily="65" charset="-120"/>
+                          <a:cs typeface="Times New Roman" panose="02020603050405020304" pitchFamily="18" charset="0"/>
+                        </a:rPr>
+                        <a:t>[0, 1] </a:t>
+                      </a:r>
+                      <a:r>
+                        <a:rPr lang="zh-TW" altLang="en-US" sz="1200" dirty="0">
+                          <a:latin typeface="標楷體" panose="03000509000000000000" pitchFamily="65" charset="-120"/>
+                          <a:ea typeface="標楷體" panose="03000509000000000000" pitchFamily="65" charset="-120"/>
+                        </a:rPr>
+                        <a:t>範圍</a:t>
+                      </a:r>
+                      <a:endParaRPr lang="zh-TW" altLang="en-US" sz="1200" baseline="0" dirty="0">
+                        <a:latin typeface="標楷體" panose="03000509000000000000" pitchFamily="65" charset="-120"/>
+                        <a:ea typeface="標楷體" panose="03000509000000000000" pitchFamily="65" charset="-120"/>
+                      </a:endParaRPr>
+                    </a:p>
+                  </a:txBody>
+                  <a:tcPr/>
+                </a:tc>
+                <a:extLst>
+                  <a:ext uri="{0D108BD9-81ED-4DB2-BD59-A6C34878D82A}">
+                    <a16:rowId xmlns:a16="http://schemas.microsoft.com/office/drawing/2014/main" val="1245640404"/>
+                  </a:ext>
+                </a:extLst>
+              </a:tr>
+            </a:tbl>
+          </a:graphicData>
+        </a:graphic>
+      </p:graphicFrame>
+    </p:spTree>
+    <p:extLst>
+      <p:ext uri="{BB962C8B-B14F-4D97-AF65-F5344CB8AC3E}">
+        <p14:creationId xmlns:p14="http://schemas.microsoft.com/office/powerpoint/2010/main" val="926830042"/>
+      </p:ext>
+    </p:extLst>
+  </p:cSld>
+  <p:clrMapOvr>
+    <a:masterClrMapping/>
+  </p:clrMapOvr>
+</p:sld>
+</file>
+
+<file path=ppt/slides/slide11.xml><?xml version="1.0" encoding="utf-8"?>
+<p:sld xmlns:a="http://schemas.openxmlformats.org/drawingml/2006/main" xmlns:r="http://schemas.openxmlformats.org/officeDocument/2006/relationships" xmlns:p="http://schemas.openxmlformats.org/presentationml/2006/main">
+  <p:cSld>
+    <p:spTree>
+      <p:nvGrpSpPr>
+        <p:cNvPr id="1" name=""/>
+        <p:cNvGrpSpPr/>
+        <p:nvPr/>
+      </p:nvGrpSpPr>
+      <p:grpSpPr>
+        <a:xfrm>
+          <a:off x="0" y="0"/>
+          <a:ext cx="0" cy="0"/>
+          <a:chOff x="0" y="0"/>
+          <a:chExt cx="0" cy="0"/>
+        </a:xfrm>
+      </p:grpSpPr>
+      <p:pic>
+        <p:nvPicPr>
+          <p:cNvPr id="5" name="內容版面配置區 4">
+            <a:extLst>
+              <a:ext uri="{FF2B5EF4-FFF2-40B4-BE49-F238E27FC236}">
+                <a16:creationId xmlns:a16="http://schemas.microsoft.com/office/drawing/2014/main" id="{47AA69F5-260F-A07C-DEB9-B7094B373317}"/>
+              </a:ext>
+            </a:extLst>
+          </p:cNvPr>
+          <p:cNvPicPr>
+            <a:picLocks noGrp="1" noChangeAspect="1"/>
+          </p:cNvPicPr>
+          <p:nvPr>
+            <p:ph idx="1"/>
+          </p:nvPr>
+        </p:nvPicPr>
+        <p:blipFill>
+          <a:blip r:embed="rId2"/>
+          <a:stretch>
+            <a:fillRect/>
+          </a:stretch>
+        </p:blipFill>
+        <p:spPr>
+          <a:xfrm>
+            <a:off x="838200" y="1211068"/>
+            <a:ext cx="7293442" cy="5037137"/>
+          </a:xfrm>
+        </p:spPr>
+      </p:pic>
+      <p:sp>
+        <p:nvSpPr>
+          <p:cNvPr id="3" name="標題 2">
+            <a:extLst>
+              <a:ext uri="{FF2B5EF4-FFF2-40B4-BE49-F238E27FC236}">
+                <a16:creationId xmlns:a16="http://schemas.microsoft.com/office/drawing/2014/main" id="{F9DCF863-F2AD-E8A8-B81C-1B5199B2EAD6}"/>
+              </a:ext>
+            </a:extLst>
+          </p:cNvPr>
+          <p:cNvSpPr>
+            <a:spLocks noGrp="1"/>
+          </p:cNvSpPr>
+          <p:nvPr>
+            <p:ph type="title"/>
+          </p:nvPr>
+        </p:nvSpPr>
+        <p:spPr/>
+        <p:txBody>
+          <a:bodyPr/>
+          <a:lstStyle/>
+          <a:p>
+            <a:r>
+              <a:rPr lang="en-US" altLang="zh-TW" dirty="0"/>
+              <a:t>histogram_</a:t>
+            </a:r>
+            <a:r>
+              <a:rPr lang="zh-TW" altLang="en-US" dirty="0"/>
+              <a:t>使用範例</a:t>
+            </a:r>
+          </a:p>
+        </p:txBody>
+      </p:sp>
+      <p:sp>
+        <p:nvSpPr>
+          <p:cNvPr id="7" name="文字方塊 6">
+            <a:extLst>
+              <a:ext uri="{FF2B5EF4-FFF2-40B4-BE49-F238E27FC236}">
+                <a16:creationId xmlns:a16="http://schemas.microsoft.com/office/drawing/2014/main" id="{85030A0C-FD38-CE2F-2CCC-880F5917B5CE}"/>
+              </a:ext>
+            </a:extLst>
+          </p:cNvPr>
+          <p:cNvSpPr txBox="1"/>
+          <p:nvPr/>
+        </p:nvSpPr>
+        <p:spPr>
+          <a:xfrm>
+            <a:off x="8201608" y="1211068"/>
+            <a:ext cx="3152192" cy="2585323"/>
+          </a:xfrm>
+          <a:prstGeom prst="rect">
+            <a:avLst/>
+          </a:prstGeom>
+          <a:noFill/>
+        </p:spPr>
+        <p:txBody>
+          <a:bodyPr wrap="square" rtlCol="0">
+            <a:spAutoFit/>
+          </a:bodyPr>
+          <a:lstStyle/>
+          <a:p>
+            <a:pPr marL="0" marR="0" lvl="0" indent="0" algn="l" defTabSz="914400" rtl="0" eaLnBrk="0" fontAlgn="base" latinLnBrk="0" hangingPunct="0">
+              <a:lnSpc>
+                <a:spcPct val="100000"/>
+              </a:lnSpc>
+              <a:spcBef>
+                <a:spcPct val="0"/>
+              </a:spcBef>
+              <a:spcAft>
+                <a:spcPct val="0"/>
+              </a:spcAft>
+              <a:buClrTx/>
+              <a:buSzTx/>
+              <a:buFontTx/>
+              <a:buNone/>
+              <a:tabLst/>
+            </a:pPr>
+            <a:endParaRPr kumimoji="0" lang="zh-TW" altLang="zh-TW" sz="1800" b="0" i="0" u="none" strike="noStrike" cap="none" normalizeH="0" baseline="0" dirty="0">
+              <a:ln>
+                <a:noFill/>
+              </a:ln>
+              <a:solidFill>
+                <a:schemeClr val="tx1"/>
+              </a:solidFill>
+              <a:effectLst/>
+              <a:latin typeface="Arial" panose="020B0604020202020204" pitchFamily="34" charset="0"/>
+            </a:endParaRPr>
+          </a:p>
+          <a:p>
+            <a:pPr marL="285750" marR="0" lvl="0" indent="-285750" algn="l" defTabSz="914400" rtl="0" eaLnBrk="0" fontAlgn="base" latinLnBrk="0" hangingPunct="0">
+              <a:lnSpc>
+                <a:spcPct val="100000"/>
+              </a:lnSpc>
+              <a:spcBef>
+                <a:spcPct val="0"/>
+              </a:spcBef>
+              <a:spcAft>
+                <a:spcPct val="0"/>
+              </a:spcAft>
+              <a:buClrTx/>
+              <a:buSzTx/>
+              <a:buFont typeface="Arial" panose="020B0604020202020204" pitchFamily="34" charset="0"/>
+              <a:buChar char="•"/>
+              <a:tabLst/>
+            </a:pPr>
+            <a:r>
+              <a:rPr kumimoji="0" lang="zh-TW" altLang="zh-TW" sz="1800" b="0" i="0" u="none" strike="noStrike" cap="none" normalizeH="0" baseline="0" dirty="0">
+                <a:ln>
+                  <a:noFill/>
+                </a:ln>
+                <a:solidFill>
+                  <a:schemeClr val="tx1"/>
+                </a:solidFill>
+                <a:effectLst/>
+                <a:latin typeface="標楷體" panose="03000509000000000000" pitchFamily="65" charset="-120"/>
+                <a:ea typeface="標楷體" panose="03000509000000000000" pitchFamily="65" charset="-120"/>
+              </a:rPr>
+              <a:t>輸入必須是單通道 </a:t>
+            </a:r>
+            <a:r>
+              <a:rPr kumimoji="0" lang="zh-TW" altLang="zh-TW" sz="1800" b="0" i="0" u="none" strike="noStrike" cap="none" normalizeH="0" baseline="0" dirty="0">
+                <a:ln>
+                  <a:noFill/>
+                </a:ln>
+                <a:solidFill>
+                  <a:schemeClr val="tx1"/>
+                </a:solidFill>
+                <a:effectLst/>
+                <a:latin typeface="Times New Roman" panose="02020603050405020304" pitchFamily="18" charset="0"/>
+                <a:ea typeface="標楷體" panose="03000509000000000000" pitchFamily="65" charset="-120"/>
+                <a:cs typeface="Times New Roman" panose="02020603050405020304" pitchFamily="18" charset="0"/>
+              </a:rPr>
+              <a:t>uint8</a:t>
+            </a:r>
+            <a:r>
+              <a:rPr kumimoji="0" lang="zh-TW" altLang="zh-TW" sz="1800" b="0" i="0" u="none" strike="noStrike" cap="none" normalizeH="0" baseline="0" dirty="0">
+                <a:ln>
+                  <a:noFill/>
+                </a:ln>
+                <a:solidFill>
+                  <a:schemeClr val="tx1"/>
+                </a:solidFill>
+                <a:effectLst/>
+                <a:latin typeface="標楷體" panose="03000509000000000000" pitchFamily="65" charset="-120"/>
+                <a:ea typeface="標楷體" panose="03000509000000000000" pitchFamily="65" charset="-120"/>
+              </a:rPr>
+              <a:t> 格式的 </a:t>
+            </a:r>
+            <a:r>
+              <a:rPr kumimoji="0" lang="zh-TW" altLang="zh-TW" sz="1800" b="0" i="0" u="none" strike="noStrike" cap="none" normalizeH="0" baseline="0" dirty="0">
+                <a:ln>
+                  <a:noFill/>
+                </a:ln>
+                <a:solidFill>
+                  <a:schemeClr val="tx1"/>
+                </a:solidFill>
+                <a:effectLst/>
+                <a:latin typeface="Times New Roman" panose="02020603050405020304" pitchFamily="18" charset="0"/>
+                <a:ea typeface="標楷體" panose="03000509000000000000" pitchFamily="65" charset="-120"/>
+                <a:cs typeface="Times New Roman" panose="02020603050405020304" pitchFamily="18" charset="0"/>
+              </a:rPr>
+              <a:t>LBP</a:t>
+            </a:r>
+            <a:r>
+              <a:rPr kumimoji="0" lang="zh-TW" altLang="zh-TW" sz="1800" b="0" i="0" u="none" strike="noStrike" cap="none" normalizeH="0" baseline="0" dirty="0">
+                <a:ln>
+                  <a:noFill/>
+                </a:ln>
+                <a:solidFill>
+                  <a:schemeClr val="tx1"/>
+                </a:solidFill>
+                <a:effectLst/>
+                <a:latin typeface="標楷體" panose="03000509000000000000" pitchFamily="65" charset="-120"/>
+                <a:ea typeface="標楷體" panose="03000509000000000000" pitchFamily="65" charset="-120"/>
+              </a:rPr>
+              <a:t> 特徵圖 </a:t>
+            </a:r>
+          </a:p>
+          <a:p>
+            <a:pPr marL="285750" marR="0" lvl="0" indent="-285750" algn="l" defTabSz="914400" rtl="0" eaLnBrk="0" fontAlgn="base" latinLnBrk="0" hangingPunct="0">
+              <a:lnSpc>
+                <a:spcPct val="100000"/>
+              </a:lnSpc>
+              <a:spcBef>
+                <a:spcPct val="0"/>
+              </a:spcBef>
+              <a:spcAft>
+                <a:spcPct val="0"/>
+              </a:spcAft>
+              <a:buClrTx/>
+              <a:buSzTx/>
+              <a:buFont typeface="Arial" panose="020B0604020202020204" pitchFamily="34" charset="0"/>
+              <a:buChar char="•"/>
+              <a:tabLst/>
+            </a:pPr>
+            <a:r>
+              <a:rPr kumimoji="0" lang="zh-TW" altLang="zh-TW" sz="1800" b="0" i="0" u="none" strike="noStrike" cap="none" normalizeH="0" baseline="0" dirty="0">
+                <a:ln>
+                  <a:noFill/>
+                </a:ln>
+                <a:solidFill>
+                  <a:schemeClr val="tx1"/>
+                </a:solidFill>
+                <a:effectLst/>
+                <a:latin typeface="標楷體" panose="03000509000000000000" pitchFamily="65" charset="-120"/>
+                <a:ea typeface="標楷體" panose="03000509000000000000" pitchFamily="65" charset="-120"/>
+              </a:rPr>
+              <a:t>歸一化後的直方圖值易於後續處理和比較 </a:t>
+            </a:r>
+          </a:p>
+          <a:p>
+            <a:pPr marL="285750" marR="0" lvl="0" indent="-285750" algn="l" defTabSz="914400" rtl="0" eaLnBrk="0" fontAlgn="base" latinLnBrk="0" hangingPunct="0">
+              <a:lnSpc>
+                <a:spcPct val="100000"/>
+              </a:lnSpc>
+              <a:spcBef>
+                <a:spcPct val="0"/>
+              </a:spcBef>
+              <a:spcAft>
+                <a:spcPct val="0"/>
+              </a:spcAft>
+              <a:buClrTx/>
+              <a:buSzTx/>
+              <a:buFont typeface="Arial" panose="020B0604020202020204" pitchFamily="34" charset="0"/>
+              <a:buChar char="•"/>
+              <a:tabLst/>
+            </a:pPr>
+            <a:r>
+              <a:rPr kumimoji="0" lang="zh-TW" altLang="zh-TW" sz="1800" b="0" i="0" u="none" strike="noStrike" cap="none" normalizeH="0" baseline="0" dirty="0">
+                <a:ln>
+                  <a:noFill/>
+                </a:ln>
+                <a:solidFill>
+                  <a:schemeClr val="tx1"/>
+                </a:solidFill>
+                <a:effectLst/>
+                <a:latin typeface="標楷體" panose="03000509000000000000" pitchFamily="65" charset="-120"/>
+                <a:ea typeface="標楷體" panose="03000509000000000000" pitchFamily="65" charset="-120"/>
+              </a:rPr>
+              <a:t>直方圖可用於各種基於紋理的圖像分類、檢索等任務 </a:t>
+            </a:r>
+          </a:p>
+          <a:p>
+            <a:endParaRPr lang="zh-TW" altLang="en-US" dirty="0"/>
+          </a:p>
+        </p:txBody>
+      </p:sp>
+    </p:spTree>
+    <p:extLst>
+      <p:ext uri="{BB962C8B-B14F-4D97-AF65-F5344CB8AC3E}">
+        <p14:creationId xmlns:p14="http://schemas.microsoft.com/office/powerpoint/2010/main" val="4172936876"/>
+      </p:ext>
+    </p:extLst>
+  </p:cSld>
+  <p:clrMapOvr>
+    <a:masterClrMapping/>
+  </p:clrMapOvr>
+</p:sld>
+</file>
+
+<file path=ppt/slides/slide12.xml><?xml version="1.0" encoding="utf-8"?>
+<p:sld xmlns:a="http://schemas.openxmlformats.org/drawingml/2006/main" xmlns:r="http://schemas.openxmlformats.org/officeDocument/2006/relationships" xmlns:p="http://schemas.openxmlformats.org/presentationml/2006/main">
+  <p:cSld>
+    <p:spTree>
+      <p:nvGrpSpPr>
+        <p:cNvPr id="1" name=""/>
+        <p:cNvGrpSpPr/>
+        <p:nvPr/>
+      </p:nvGrpSpPr>
+      <p:grpSpPr>
+        <a:xfrm>
+          <a:off x="0" y="0"/>
+          <a:ext cx="0" cy="0"/>
+          <a:chOff x="0" y="0"/>
+          <a:chExt cx="0" cy="0"/>
+        </a:xfrm>
+      </p:grpSpPr>
+      <p:sp>
+        <p:nvSpPr>
+          <p:cNvPr id="2" name="內容版面配置區 1">
+            <a:extLst>
+              <a:ext uri="{FF2B5EF4-FFF2-40B4-BE49-F238E27FC236}">
                 <a16:creationId xmlns:a16="http://schemas.microsoft.com/office/drawing/2014/main" id="{A9381C00-C933-C503-E39E-30B743AAD660}"/>
               </a:ext>
             </a:extLst>
@@ -6574,7 +7507,7 @@
 </p:sld>
 </file>
 
-<file path=ppt/slides/slide11.xml><?xml version="1.0" encoding="utf-8"?>
+<file path=ppt/slides/slide13.xml><?xml version="1.0" encoding="utf-8"?>
 <p:sld xmlns:a="http://schemas.openxmlformats.org/drawingml/2006/main" xmlns:r="http://schemas.openxmlformats.org/officeDocument/2006/relationships" xmlns:p="http://schemas.openxmlformats.org/presentationml/2006/main">
   <p:cSld>
     <p:spTree>
@@ -7270,7 +8203,7 @@
 </p:sld>
 </file>
 
-<file path=ppt/slides/slide12.xml><?xml version="1.0" encoding="utf-8"?>
+<file path=ppt/slides/slide14.xml><?xml version="1.0" encoding="utf-8"?>
 <p:sld xmlns:a="http://schemas.openxmlformats.org/drawingml/2006/main" xmlns:r="http://schemas.openxmlformats.org/officeDocument/2006/relationships" xmlns:p="http://schemas.openxmlformats.org/presentationml/2006/main">
   <p:cSld>
     <p:spTree>
@@ -7623,7 +8556,7 @@
 </p:sld>
 </file>
 
-<file path=ppt/slides/slide13.xml><?xml version="1.0" encoding="utf-8"?>
+<file path=ppt/slides/slide15.xml><?xml version="1.0" encoding="utf-8"?>
 <p:sld xmlns:a="http://schemas.openxmlformats.org/drawingml/2006/main" xmlns:r="http://schemas.openxmlformats.org/officeDocument/2006/relationships" xmlns:p="http://schemas.openxmlformats.org/presentationml/2006/main">
   <p:cSld>
     <p:spTree>
@@ -8327,7 +9260,7 @@
 </p:sld>
 </file>
 
-<file path=ppt/slides/slide14.xml><?xml version="1.0" encoding="utf-8"?>
+<file path=ppt/slides/slide16.xml><?xml version="1.0" encoding="utf-8"?>
 <p:sld xmlns:a="http://schemas.openxmlformats.org/drawingml/2006/main" xmlns:r="http://schemas.openxmlformats.org/officeDocument/2006/relationships" xmlns:p="http://schemas.openxmlformats.org/presentationml/2006/main">
   <p:cSld>
     <p:spTree>
@@ -8994,7 +9927,7 @@
 </p:sld>
 </file>
 
-<file path=ppt/slides/slide15.xml><?xml version="1.0" encoding="utf-8"?>
+<file path=ppt/slides/slide17.xml><?xml version="1.0" encoding="utf-8"?>
 <p:sld xmlns:a="http://schemas.openxmlformats.org/drawingml/2006/main" xmlns:r="http://schemas.openxmlformats.org/officeDocument/2006/relationships" xmlns:p="http://schemas.openxmlformats.org/presentationml/2006/main">
   <p:cSld>
     <p:spTree>
@@ -9312,7 +10245,7 @@
 </p:sld>
 </file>
 
-<file path=ppt/slides/slide16.xml><?xml version="1.0" encoding="utf-8"?>
+<file path=ppt/slides/slide18.xml><?xml version="1.0" encoding="utf-8"?>
 <p:sld xmlns:a="http://schemas.openxmlformats.org/drawingml/2006/main" xmlns:r="http://schemas.openxmlformats.org/officeDocument/2006/relationships" xmlns:p="http://schemas.openxmlformats.org/presentationml/2006/main">
   <p:cSld>
     <p:spTree>
@@ -9410,6 +10343,797 @@
   <p:cSld>
     <p:spTree>
       <p:nvGrpSpPr>
+        <p:cNvPr id="1" name="">
+          <a:extLst>
+            <a:ext uri="{FF2B5EF4-FFF2-40B4-BE49-F238E27FC236}">
+              <a16:creationId xmlns:a16="http://schemas.microsoft.com/office/drawing/2014/main" id="{13664A28-2EBB-5F97-B493-06955BEC3356}"/>
+            </a:ext>
+          </a:extLst>
+        </p:cNvPr>
+        <p:cNvGrpSpPr/>
+        <p:nvPr/>
+      </p:nvGrpSpPr>
+      <p:grpSpPr>
+        <a:xfrm>
+          <a:off x="0" y="0"/>
+          <a:ext cx="0" cy="0"/>
+          <a:chOff x="0" y="0"/>
+          <a:chExt cx="0" cy="0"/>
+        </a:xfrm>
+      </p:grpSpPr>
+      <p:sp>
+        <p:nvSpPr>
+          <p:cNvPr id="2" name="內容版面配置區 1">
+            <a:extLst>
+              <a:ext uri="{FF2B5EF4-FFF2-40B4-BE49-F238E27FC236}">
+                <a16:creationId xmlns:a16="http://schemas.microsoft.com/office/drawing/2014/main" id="{C14100B6-94C9-473C-B559-E38223F6550D}"/>
+              </a:ext>
+            </a:extLst>
+          </p:cNvPr>
+          <p:cNvSpPr>
+            <a:spLocks noGrp="1"/>
+          </p:cNvSpPr>
+          <p:nvPr>
+            <p:ph idx="1"/>
+          </p:nvPr>
+        </p:nvSpPr>
+        <p:spPr/>
+        <p:txBody>
+          <a:bodyPr>
+            <a:normAutofit/>
+          </a:bodyPr>
+          <a:lstStyle/>
+          <a:p>
+            <a:r>
+              <a:rPr lang="zh-TW" altLang="en-US" dirty="0"/>
+              <a:t>功能描述 </a:t>
+            </a:r>
+            <a:r>
+              <a:rPr lang="en-US" altLang="zh-TW" dirty="0"/>
+              <a:t>:</a:t>
+            </a:r>
+            <a:r>
+              <a:rPr lang="zh-TW" altLang="en-US" dirty="0"/>
+              <a:t>這段程式碼的功能是利用 </a:t>
+            </a:r>
+            <a:r>
+              <a:rPr lang="en-US" altLang="zh-TW" dirty="0"/>
+              <a:t>HSV </a:t>
+            </a:r>
+            <a:r>
+              <a:rPr lang="zh-TW" altLang="en-US" dirty="0"/>
+              <a:t>色彩空間篩選影像中的特定顏色範圍，並反轉遮罩，使範圍外的部分被保留，而範圍內的部分被移除，從而過濾出非指定範圍的影像內容。</a:t>
+            </a:r>
+            <a:endParaRPr lang="en-US" altLang="zh-TW" dirty="0"/>
+          </a:p>
+          <a:p>
+            <a:r>
+              <a:rPr lang="zh-TW" altLang="en-US" dirty="0"/>
+              <a:t>函式 </a:t>
+            </a:r>
+            <a:r>
+              <a:rPr lang="en-US" altLang="zh-TW" dirty="0"/>
+              <a:t>:</a:t>
+            </a:r>
+            <a:r>
+              <a:rPr lang="en-US" altLang="zh-TW" dirty="0">
+                <a:effectLst/>
+              </a:rPr>
+              <a:t>def</a:t>
+            </a:r>
+            <a:r>
+              <a:rPr lang="en-US" altLang="zh-TW" dirty="0"/>
+              <a:t> </a:t>
+            </a:r>
+            <a:r>
+              <a:rPr lang="en-US" altLang="zh-TW" dirty="0" err="1"/>
+              <a:t>hsv</a:t>
+            </a:r>
+            <a:r>
+              <a:rPr lang="en-US" altLang="zh-TW" dirty="0">
+                <a:effectLst/>
+              </a:rPr>
+              <a:t>(</a:t>
+            </a:r>
+            <a:r>
+              <a:rPr lang="en-US" altLang="zh-TW" dirty="0"/>
+              <a:t>image</a:t>
+            </a:r>
+            <a:r>
+              <a:rPr lang="en-US" altLang="zh-TW" dirty="0">
+                <a:effectLst/>
+              </a:rPr>
+              <a:t>, lower , upper)</a:t>
+            </a:r>
+          </a:p>
+          <a:p>
+            <a:pPr marL="0" indent="0">
+              <a:buNone/>
+            </a:pPr>
+            <a:endParaRPr lang="en-US" altLang="zh-TW" dirty="0"/>
+          </a:p>
+          <a:p>
+            <a:pPr marL="0" indent="0">
+              <a:buNone/>
+            </a:pPr>
+            <a:endParaRPr lang="en-US" altLang="zh-TW" dirty="0"/>
+          </a:p>
+          <a:p>
+            <a:pPr marL="0" indent="0">
+              <a:buNone/>
+            </a:pPr>
+            <a:endParaRPr lang="en-US" altLang="zh-TW" dirty="0"/>
+          </a:p>
+          <a:p>
+            <a:pPr marL="0" indent="0">
+              <a:buNone/>
+            </a:pPr>
+            <a:endParaRPr lang="en-US" altLang="zh-TW" dirty="0"/>
+          </a:p>
+          <a:p>
+            <a:pPr marL="0" indent="0">
+              <a:buNone/>
+            </a:pPr>
+            <a:endParaRPr lang="en-US" altLang="zh-TW" dirty="0"/>
+          </a:p>
+          <a:p>
+            <a:pPr marL="0" indent="0">
+              <a:buNone/>
+            </a:pPr>
+            <a:endParaRPr lang="en-US" altLang="zh-TW" dirty="0"/>
+          </a:p>
+          <a:p>
+            <a:pPr marL="0" indent="0">
+              <a:buNone/>
+            </a:pPr>
+            <a:endParaRPr lang="en-US" altLang="zh-TW" dirty="0"/>
+          </a:p>
+          <a:p>
+            <a:r>
+              <a:rPr lang="zh-TW" altLang="en-US" dirty="0"/>
+              <a:t>返回值 </a:t>
+            </a:r>
+            <a:r>
+              <a:rPr lang="en-US" altLang="zh-TW" dirty="0">
+                <a:cs typeface="Times New Roman" panose="02020603050405020304" pitchFamily="18" charset="0"/>
+              </a:rPr>
+              <a:t>:</a:t>
+            </a:r>
+            <a:r>
+              <a:rPr lang="zh-TW" altLang="en-US" dirty="0">
+                <a:cs typeface="Times New Roman" panose="02020603050405020304" pitchFamily="18" charset="0"/>
+              </a:rPr>
+              <a:t> </a:t>
+            </a:r>
+            <a:r>
+              <a:rPr lang="en-US" altLang="zh-TW" dirty="0" err="1">
+                <a:cs typeface="Times New Roman" panose="02020603050405020304" pitchFamily="18" charset="0"/>
+              </a:rPr>
+              <a:t>numpy.ndarray</a:t>
+            </a:r>
+            <a:r>
+              <a:rPr lang="zh-TW" altLang="en-US" dirty="0">
+                <a:cs typeface="Times New Roman" panose="02020603050405020304" pitchFamily="18" charset="0"/>
+              </a:rPr>
+              <a:t>，</a:t>
+            </a:r>
+            <a:r>
+              <a:rPr lang="zh-TW" altLang="en-US" dirty="0"/>
+              <a:t>過濾後的影像，保留非 </a:t>
+            </a:r>
+            <a:r>
+              <a:rPr lang="en-US" altLang="zh-TW" dirty="0"/>
+              <a:t>HSV </a:t>
+            </a:r>
+            <a:r>
+              <a:rPr lang="zh-TW" altLang="en-US" dirty="0"/>
+              <a:t>色彩範圍內的部分，將指定範圍內的部分移除。</a:t>
+            </a:r>
+            <a:endParaRPr lang="en-US" altLang="zh-TW" dirty="0"/>
+          </a:p>
+        </p:txBody>
+      </p:sp>
+      <p:sp>
+        <p:nvSpPr>
+          <p:cNvPr id="3" name="標題 2">
+            <a:extLst>
+              <a:ext uri="{FF2B5EF4-FFF2-40B4-BE49-F238E27FC236}">
+                <a16:creationId xmlns:a16="http://schemas.microsoft.com/office/drawing/2014/main" id="{46D4D72C-52AD-C6CD-1553-198F117CE5AF}"/>
+              </a:ext>
+            </a:extLst>
+          </p:cNvPr>
+          <p:cNvSpPr>
+            <a:spLocks noGrp="1"/>
+          </p:cNvSpPr>
+          <p:nvPr>
+            <p:ph type="title"/>
+          </p:nvPr>
+        </p:nvSpPr>
+        <p:spPr/>
+        <p:txBody>
+          <a:bodyPr/>
+          <a:lstStyle/>
+          <a:p>
+            <a:r>
+              <a:rPr lang="en-US" altLang="zh-TW" dirty="0" err="1"/>
+              <a:t>hsv</a:t>
+            </a:r>
+            <a:endParaRPr lang="zh-TW" altLang="en-US" dirty="0"/>
+          </a:p>
+        </p:txBody>
+      </p:sp>
+      <p:graphicFrame>
+        <p:nvGraphicFramePr>
+          <p:cNvPr id="8" name="表格 8">
+            <a:extLst>
+              <a:ext uri="{FF2B5EF4-FFF2-40B4-BE49-F238E27FC236}">
+                <a16:creationId xmlns:a16="http://schemas.microsoft.com/office/drawing/2014/main" id="{2E788862-044E-F63C-30D8-8054C3F47C09}"/>
+              </a:ext>
+            </a:extLst>
+          </p:cNvPr>
+          <p:cNvGraphicFramePr>
+            <a:graphicFrameLocks noGrp="1"/>
+          </p:cNvGraphicFramePr>
+          <p:nvPr>
+            <p:extLst>
+              <p:ext uri="{D42A27DB-BD31-4B8C-83A1-F6EECF244321}">
+                <p14:modId xmlns:p14="http://schemas.microsoft.com/office/powerpoint/2010/main" val="252238779"/>
+              </p:ext>
+            </p:extLst>
+          </p:nvPr>
+        </p:nvGraphicFramePr>
+        <p:xfrm>
+          <a:off x="987491" y="1981419"/>
+          <a:ext cx="10929258" cy="1502889"/>
+        </p:xfrm>
+        <a:graphic>
+          <a:graphicData uri="http://schemas.openxmlformats.org/drawingml/2006/table">
+            <a:tbl>
+              <a:tblPr firstRow="1" bandRow="1">
+                <a:tableStyleId>{5C22544A-7EE6-4342-B048-85BDC9FD1C3A}</a:tableStyleId>
+              </a:tblPr>
+              <a:tblGrid>
+                <a:gridCol w="3224414">
+                  <a:extLst>
+                    <a:ext uri="{9D8B030D-6E8A-4147-A177-3AD203B41FA5}">
+                      <a16:colId xmlns:a16="http://schemas.microsoft.com/office/drawing/2014/main" val="175491985"/>
+                    </a:ext>
+                  </a:extLst>
+                </a:gridCol>
+                <a:gridCol w="1624474">
+                  <a:extLst>
+                    <a:ext uri="{9D8B030D-6E8A-4147-A177-3AD203B41FA5}">
+                      <a16:colId xmlns:a16="http://schemas.microsoft.com/office/drawing/2014/main" val="822259094"/>
+                    </a:ext>
+                  </a:extLst>
+                </a:gridCol>
+                <a:gridCol w="6080370">
+                  <a:extLst>
+                    <a:ext uri="{9D8B030D-6E8A-4147-A177-3AD203B41FA5}">
+                      <a16:colId xmlns:a16="http://schemas.microsoft.com/office/drawing/2014/main" val="4104166654"/>
+                    </a:ext>
+                  </a:extLst>
+                </a:gridCol>
+              </a:tblGrid>
+              <a:tr h="298300">
+                <a:tc>
+                  <a:txBody>
+                    <a:bodyPr/>
+                    <a:lstStyle/>
+                    <a:p>
+                      <a:r>
+                        <a:rPr lang="zh-TW" altLang="en-US" sz="1200" baseline="0" dirty="0">
+                          <a:latin typeface="標楷體" panose="03000509000000000000" pitchFamily="65" charset="-120"/>
+                          <a:ea typeface="標楷體" panose="03000509000000000000" pitchFamily="65" charset="-120"/>
+                        </a:rPr>
+                        <a:t>參數</a:t>
+                      </a:r>
+                    </a:p>
+                  </a:txBody>
+                  <a:tcPr/>
+                </a:tc>
+                <a:tc>
+                  <a:txBody>
+                    <a:bodyPr/>
+                    <a:lstStyle/>
+                    <a:p>
+                      <a:r>
+                        <a:rPr lang="zh-TW" altLang="en-US" sz="1200" baseline="0" dirty="0">
+                          <a:latin typeface="標楷體" panose="03000509000000000000" pitchFamily="65" charset="-120"/>
+                          <a:ea typeface="標楷體" panose="03000509000000000000" pitchFamily="65" charset="-120"/>
+                        </a:rPr>
+                        <a:t>類型</a:t>
+                      </a:r>
+                    </a:p>
+                  </a:txBody>
+                  <a:tcPr/>
+                </a:tc>
+                <a:tc>
+                  <a:txBody>
+                    <a:bodyPr/>
+                    <a:lstStyle/>
+                    <a:p>
+                      <a:r>
+                        <a:rPr lang="zh-TW" altLang="en-US" sz="1200" baseline="0" dirty="0">
+                          <a:latin typeface="標楷體" panose="03000509000000000000" pitchFamily="65" charset="-120"/>
+                          <a:ea typeface="標楷體" panose="03000509000000000000" pitchFamily="65" charset="-120"/>
+                        </a:rPr>
+                        <a:t>說明</a:t>
+                      </a:r>
+                    </a:p>
+                  </a:txBody>
+                  <a:tcPr/>
+                </a:tc>
+                <a:extLst>
+                  <a:ext uri="{0D108BD9-81ED-4DB2-BD59-A6C34878D82A}">
+                    <a16:rowId xmlns:a16="http://schemas.microsoft.com/office/drawing/2014/main" val="3131740815"/>
+                  </a:ext>
+                </a:extLst>
+              </a:tr>
+              <a:tr h="367125">
+                <a:tc>
+                  <a:txBody>
+                    <a:bodyPr/>
+                    <a:lstStyle/>
+                    <a:p>
+                      <a:r>
+                        <a:rPr lang="en-US" altLang="zh-TW" sz="1200" baseline="0" dirty="0">
+                          <a:latin typeface="Times New Roman" panose="02020603050405020304" pitchFamily="18" charset="0"/>
+                          <a:ea typeface="標楷體" panose="03000509000000000000" pitchFamily="65" charset="-120"/>
+                          <a:cs typeface="Times New Roman" panose="02020603050405020304" pitchFamily="18" charset="0"/>
+                        </a:rPr>
+                        <a:t>Image</a:t>
+                      </a:r>
+                      <a:endParaRPr lang="en-US" altLang="zh-TW" sz="1200" baseline="0" dirty="0">
+                        <a:latin typeface="標楷體" panose="03000509000000000000" pitchFamily="65" charset="-120"/>
+                        <a:ea typeface="標楷體" panose="03000509000000000000" pitchFamily="65" charset="-120"/>
+                        <a:cs typeface="Times New Roman" panose="02020603050405020304" pitchFamily="18" charset="0"/>
+                      </a:endParaRPr>
+                    </a:p>
+                  </a:txBody>
+                  <a:tcPr/>
+                </a:tc>
+                <a:tc>
+                  <a:txBody>
+                    <a:bodyPr/>
+                    <a:lstStyle/>
+                    <a:p>
+                      <a:r>
+                        <a:rPr lang="en-US" altLang="zh-TW" sz="1200" baseline="0" dirty="0">
+                          <a:latin typeface="Times New Roman" panose="02020603050405020304" pitchFamily="18" charset="0"/>
+                          <a:ea typeface="標楷體" panose="03000509000000000000" pitchFamily="65" charset="-120"/>
+                          <a:cs typeface="Times New Roman" panose="02020603050405020304" pitchFamily="18" charset="0"/>
+                        </a:rPr>
+                        <a:t>numpy.ndarray</a:t>
+                      </a:r>
+                      <a:endParaRPr lang="zh-TW" altLang="en-US" sz="1200" baseline="0" dirty="0">
+                        <a:latin typeface="Times New Roman" panose="02020603050405020304" pitchFamily="18" charset="0"/>
+                        <a:ea typeface="標楷體" panose="03000509000000000000" pitchFamily="65" charset="-120"/>
+                        <a:cs typeface="Times New Roman" panose="02020603050405020304" pitchFamily="18" charset="0"/>
+                      </a:endParaRPr>
+                    </a:p>
+                  </a:txBody>
+                  <a:tcPr/>
+                </a:tc>
+                <a:tc>
+                  <a:txBody>
+                    <a:bodyPr/>
+                    <a:lstStyle/>
+                    <a:p>
+                      <a:r>
+                        <a:rPr lang="zh-TW" altLang="en-US" sz="1200" dirty="0">
+                          <a:latin typeface="標楷體" panose="03000509000000000000" pitchFamily="65" charset="-120"/>
+                          <a:ea typeface="標楷體" panose="03000509000000000000" pitchFamily="65" charset="-120"/>
+                        </a:rPr>
+                        <a:t>原始影像，必須為 </a:t>
+                      </a:r>
+                      <a:r>
+                        <a:rPr lang="en-US" altLang="zh-TW" sz="1200" dirty="0">
+                          <a:latin typeface="Times New Roman" panose="02020603050405020304" pitchFamily="18" charset="0"/>
+                          <a:ea typeface="標楷體" panose="03000509000000000000" pitchFamily="65" charset="-120"/>
+                          <a:cs typeface="Times New Roman" panose="02020603050405020304" pitchFamily="18" charset="0"/>
+                        </a:rPr>
+                        <a:t>BGR</a:t>
+                      </a:r>
+                      <a:r>
+                        <a:rPr lang="en-US" altLang="zh-TW" sz="1200" dirty="0">
+                          <a:latin typeface="標楷體" panose="03000509000000000000" pitchFamily="65" charset="-120"/>
+                          <a:ea typeface="標楷體" panose="03000509000000000000" pitchFamily="65" charset="-120"/>
+                        </a:rPr>
+                        <a:t> </a:t>
+                      </a:r>
+                      <a:r>
+                        <a:rPr lang="zh-TW" altLang="en-US" sz="1200" dirty="0">
+                          <a:latin typeface="標楷體" panose="03000509000000000000" pitchFamily="65" charset="-120"/>
+                          <a:ea typeface="標楷體" panose="03000509000000000000" pitchFamily="65" charset="-120"/>
+                        </a:rPr>
+                        <a:t>格式的影像（由 </a:t>
+                      </a:r>
+                      <a:r>
+                        <a:rPr lang="en-US" altLang="zh-TW" sz="1200" dirty="0">
+                          <a:latin typeface="Times New Roman" panose="02020603050405020304" pitchFamily="18" charset="0"/>
+                          <a:ea typeface="標楷體" panose="03000509000000000000" pitchFamily="65" charset="-120"/>
+                          <a:cs typeface="Times New Roman" panose="02020603050405020304" pitchFamily="18" charset="0"/>
+                        </a:rPr>
+                        <a:t>OpenCV</a:t>
+                      </a:r>
+                      <a:r>
+                        <a:rPr lang="en-US" altLang="zh-TW" sz="1200" dirty="0">
+                          <a:latin typeface="標楷體" panose="03000509000000000000" pitchFamily="65" charset="-120"/>
+                          <a:ea typeface="標楷體" panose="03000509000000000000" pitchFamily="65" charset="-120"/>
+                        </a:rPr>
+                        <a:t> </a:t>
+                      </a:r>
+                      <a:r>
+                        <a:rPr lang="zh-TW" altLang="en-US" sz="1200" dirty="0">
+                          <a:latin typeface="標楷體" panose="03000509000000000000" pitchFamily="65" charset="-120"/>
+                          <a:ea typeface="標楷體" panose="03000509000000000000" pitchFamily="65" charset="-120"/>
+                        </a:rPr>
+                        <a:t>讀取的影像）。</a:t>
+                      </a:r>
+                      <a:endParaRPr lang="zh-TW" altLang="en-US" sz="1200" baseline="0" dirty="0">
+                        <a:latin typeface="標楷體" panose="03000509000000000000" pitchFamily="65" charset="-120"/>
+                        <a:ea typeface="標楷體" panose="03000509000000000000" pitchFamily="65" charset="-120"/>
+                        <a:cs typeface="Times New Roman" panose="02020603050405020304" pitchFamily="18" charset="0"/>
+                      </a:endParaRPr>
+                    </a:p>
+                  </a:txBody>
+                  <a:tcPr/>
+                </a:tc>
+                <a:extLst>
+                  <a:ext uri="{0D108BD9-81ED-4DB2-BD59-A6C34878D82A}">
+                    <a16:rowId xmlns:a16="http://schemas.microsoft.com/office/drawing/2014/main" val="2878939569"/>
+                  </a:ext>
+                </a:extLst>
+              </a:tr>
+              <a:tr h="307070">
+                <a:tc>
+                  <a:txBody>
+                    <a:bodyPr/>
+                    <a:lstStyle/>
+                    <a:p>
+                      <a:r>
+                        <a:rPr lang="en-US" altLang="zh-TW" sz="1200" baseline="0" dirty="0">
+                          <a:latin typeface="Times New Roman" panose="02020603050405020304" pitchFamily="18" charset="0"/>
+                          <a:ea typeface="標楷體" panose="03000509000000000000" pitchFamily="65" charset="-120"/>
+                          <a:cs typeface="Times New Roman" panose="02020603050405020304" pitchFamily="18" charset="0"/>
+                        </a:rPr>
+                        <a:t>lower</a:t>
+                      </a:r>
+                      <a:endParaRPr lang="zh-TW" altLang="en-US" sz="1200" baseline="0" dirty="0">
+                        <a:latin typeface="標楷體" panose="03000509000000000000" pitchFamily="65" charset="-120"/>
+                        <a:ea typeface="標楷體" panose="03000509000000000000" pitchFamily="65" charset="-120"/>
+                      </a:endParaRPr>
+                    </a:p>
+                  </a:txBody>
+                  <a:tcPr/>
+                </a:tc>
+                <a:tc>
+                  <a:txBody>
+                    <a:bodyPr/>
+                    <a:lstStyle/>
+                    <a:p>
+                      <a:r>
+                        <a:rPr lang="en-US" altLang="zh-TW" sz="1200" dirty="0">
+                          <a:latin typeface="Times New Roman" panose="02020603050405020304" pitchFamily="18" charset="0"/>
+                          <a:cs typeface="Times New Roman" panose="02020603050405020304" pitchFamily="18" charset="0"/>
+                        </a:rPr>
+                        <a:t>tuple or </a:t>
+                      </a:r>
+                      <a:r>
+                        <a:rPr lang="en-US" altLang="zh-TW" sz="1200" dirty="0" err="1">
+                          <a:latin typeface="Times New Roman" panose="02020603050405020304" pitchFamily="18" charset="0"/>
+                          <a:cs typeface="Times New Roman" panose="02020603050405020304" pitchFamily="18" charset="0"/>
+                        </a:rPr>
+                        <a:t>numpy.ndarray</a:t>
+                      </a:r>
+                      <a:endParaRPr lang="zh-TW" altLang="en-US" sz="1200" baseline="0" dirty="0">
+                        <a:latin typeface="Times New Roman" panose="02020603050405020304" pitchFamily="18" charset="0"/>
+                        <a:ea typeface="標楷體" panose="03000509000000000000" pitchFamily="65" charset="-120"/>
+                        <a:cs typeface="Times New Roman" panose="02020603050405020304" pitchFamily="18" charset="0"/>
+                      </a:endParaRPr>
+                    </a:p>
+                  </a:txBody>
+                  <a:tcPr/>
+                </a:tc>
+                <a:tc>
+                  <a:txBody>
+                    <a:bodyPr/>
+                    <a:lstStyle/>
+                    <a:p>
+                      <a:r>
+                        <a:rPr lang="en-US" altLang="zh-TW" sz="1200" dirty="0">
+                          <a:latin typeface="Times New Roman" panose="02020603050405020304" pitchFamily="18" charset="0"/>
+                          <a:ea typeface="標楷體" panose="03000509000000000000" pitchFamily="65" charset="-120"/>
+                          <a:cs typeface="Times New Roman" panose="02020603050405020304" pitchFamily="18" charset="0"/>
+                        </a:rPr>
+                        <a:t>HSV</a:t>
+                      </a:r>
+                      <a:r>
+                        <a:rPr lang="en-US" altLang="zh-TW" sz="1200" dirty="0">
+                          <a:latin typeface="標楷體" panose="03000509000000000000" pitchFamily="65" charset="-120"/>
+                          <a:ea typeface="標楷體" panose="03000509000000000000" pitchFamily="65" charset="-120"/>
+                        </a:rPr>
+                        <a:t> </a:t>
+                      </a:r>
+                      <a:r>
+                        <a:rPr lang="zh-TW" altLang="en-US" sz="1200" dirty="0">
+                          <a:latin typeface="標楷體" panose="03000509000000000000" pitchFamily="65" charset="-120"/>
+                          <a:ea typeface="標楷體" panose="03000509000000000000" pitchFamily="65" charset="-120"/>
+                        </a:rPr>
+                        <a:t>色彩範圍的下界</a:t>
+                      </a:r>
+                      <a:endParaRPr lang="zh-TW" altLang="en-US" sz="1200" baseline="0" dirty="0">
+                        <a:latin typeface="標楷體" panose="03000509000000000000" pitchFamily="65" charset="-120"/>
+                        <a:ea typeface="標楷體" panose="03000509000000000000" pitchFamily="65" charset="-120"/>
+                      </a:endParaRPr>
+                    </a:p>
+                  </a:txBody>
+                  <a:tcPr/>
+                </a:tc>
+                <a:extLst>
+                  <a:ext uri="{0D108BD9-81ED-4DB2-BD59-A6C34878D82A}">
+                    <a16:rowId xmlns:a16="http://schemas.microsoft.com/office/drawing/2014/main" val="1245640404"/>
+                  </a:ext>
+                </a:extLst>
+              </a:tr>
+              <a:tr h="530394">
+                <a:tc>
+                  <a:txBody>
+                    <a:bodyPr/>
+                    <a:lstStyle/>
+                    <a:p>
+                      <a:pPr marL="0" marR="0" lvl="0" indent="0" algn="l" defTabSz="914400" rtl="0" eaLnBrk="0" fontAlgn="base" latinLnBrk="0" hangingPunct="0">
+                        <a:lnSpc>
+                          <a:spcPct val="100000"/>
+                        </a:lnSpc>
+                        <a:spcBef>
+                          <a:spcPct val="0"/>
+                        </a:spcBef>
+                        <a:spcAft>
+                          <a:spcPct val="0"/>
+                        </a:spcAft>
+                        <a:buClrTx/>
+                        <a:buSzTx/>
+                        <a:buFontTx/>
+                        <a:buNone/>
+                        <a:tabLst/>
+                      </a:pPr>
+                      <a:r>
+                        <a:rPr kumimoji="0" lang="en-US" altLang="zh-TW" sz="1200" b="0" i="0" u="none" strike="noStrike" cap="none" normalizeH="0" baseline="0" dirty="0">
+                          <a:ln>
+                            <a:noFill/>
+                          </a:ln>
+                          <a:solidFill>
+                            <a:schemeClr val="tx1"/>
+                          </a:solidFill>
+                          <a:effectLst/>
+                          <a:latin typeface="Times New Roman" panose="02020603050405020304" pitchFamily="18" charset="0"/>
+                          <a:ea typeface="標楷體" panose="03000509000000000000" pitchFamily="65" charset="-120"/>
+                          <a:cs typeface="Times New Roman" panose="02020603050405020304" pitchFamily="18" charset="0"/>
+                        </a:rPr>
+                        <a:t>upper</a:t>
+                      </a:r>
+                      <a:endParaRPr kumimoji="0" lang="zh-TW" altLang="zh-TW" sz="1200" b="0" i="0" u="none" strike="noStrike" cap="none" normalizeH="0" baseline="0" dirty="0">
+                        <a:ln>
+                          <a:noFill/>
+                        </a:ln>
+                        <a:solidFill>
+                          <a:schemeClr val="tx1"/>
+                        </a:solidFill>
+                        <a:effectLst/>
+                        <a:latin typeface="Times New Roman" panose="02020603050405020304" pitchFamily="18" charset="0"/>
+                        <a:ea typeface="標楷體" panose="03000509000000000000" pitchFamily="65" charset="-120"/>
+                        <a:cs typeface="Times New Roman" panose="02020603050405020304" pitchFamily="18" charset="0"/>
+                      </a:endParaRPr>
+                    </a:p>
+                  </a:txBody>
+                  <a:tcPr/>
+                </a:tc>
+                <a:tc>
+                  <a:txBody>
+                    <a:bodyPr/>
+                    <a:lstStyle/>
+                    <a:p>
+                      <a:r>
+                        <a:rPr lang="en-US" altLang="zh-TW" sz="1200" dirty="0">
+                          <a:latin typeface="Times New Roman" panose="02020603050405020304" pitchFamily="18" charset="0"/>
+                          <a:cs typeface="Times New Roman" panose="02020603050405020304" pitchFamily="18" charset="0"/>
+                        </a:rPr>
+                        <a:t>tuple or </a:t>
+                      </a:r>
+                      <a:r>
+                        <a:rPr lang="en-US" altLang="zh-TW" sz="1200" dirty="0" err="1">
+                          <a:latin typeface="Times New Roman" panose="02020603050405020304" pitchFamily="18" charset="0"/>
+                          <a:cs typeface="Times New Roman" panose="02020603050405020304" pitchFamily="18" charset="0"/>
+                        </a:rPr>
+                        <a:t>numpy.ndarray</a:t>
+                      </a:r>
+                      <a:endParaRPr lang="zh-TW" altLang="en-US" sz="1200" baseline="0" dirty="0">
+                        <a:latin typeface="Times New Roman" panose="02020603050405020304" pitchFamily="18" charset="0"/>
+                        <a:ea typeface="標楷體" panose="03000509000000000000" pitchFamily="65" charset="-120"/>
+                        <a:cs typeface="Times New Roman" panose="02020603050405020304" pitchFamily="18" charset="0"/>
+                      </a:endParaRPr>
+                    </a:p>
+                  </a:txBody>
+                  <a:tcPr/>
+                </a:tc>
+                <a:tc>
+                  <a:txBody>
+                    <a:bodyPr/>
+                    <a:lstStyle/>
+                    <a:p>
+                      <a:pPr marL="0" marR="0" lvl="0" indent="0" algn="l" defTabSz="914400" rtl="0" eaLnBrk="0" fontAlgn="base" latinLnBrk="0" hangingPunct="0">
+                        <a:lnSpc>
+                          <a:spcPct val="100000"/>
+                        </a:lnSpc>
+                        <a:spcBef>
+                          <a:spcPct val="0"/>
+                        </a:spcBef>
+                        <a:spcAft>
+                          <a:spcPct val="0"/>
+                        </a:spcAft>
+                        <a:buClrTx/>
+                        <a:buSzTx/>
+                        <a:buFontTx/>
+                        <a:buNone/>
+                        <a:tabLst/>
+                      </a:pPr>
+                      <a:r>
+                        <a:rPr lang="en-US" altLang="zh-TW" sz="1200" dirty="0">
+                          <a:latin typeface="Times New Roman" panose="02020603050405020304" pitchFamily="18" charset="0"/>
+                          <a:ea typeface="標楷體" panose="03000509000000000000" pitchFamily="65" charset="-120"/>
+                          <a:cs typeface="Times New Roman" panose="02020603050405020304" pitchFamily="18" charset="0"/>
+                        </a:rPr>
+                        <a:t>HSV</a:t>
+                      </a:r>
+                      <a:r>
+                        <a:rPr lang="en-US" altLang="zh-TW" sz="1200" dirty="0">
+                          <a:latin typeface="標楷體" panose="03000509000000000000" pitchFamily="65" charset="-120"/>
+                          <a:ea typeface="標楷體" panose="03000509000000000000" pitchFamily="65" charset="-120"/>
+                        </a:rPr>
+                        <a:t> </a:t>
+                      </a:r>
+                      <a:r>
+                        <a:rPr lang="zh-TW" altLang="en-US" sz="1200" dirty="0">
+                          <a:latin typeface="標楷體" panose="03000509000000000000" pitchFamily="65" charset="-120"/>
+                          <a:ea typeface="標楷體" panose="03000509000000000000" pitchFamily="65" charset="-120"/>
+                        </a:rPr>
+                        <a:t>色彩範圍的上界</a:t>
+                      </a:r>
+                      <a:endParaRPr lang="zh-TW" altLang="en-US" sz="1200" baseline="0" dirty="0">
+                        <a:latin typeface="標楷體" panose="03000509000000000000" pitchFamily="65" charset="-120"/>
+                        <a:ea typeface="標楷體" panose="03000509000000000000" pitchFamily="65" charset="-120"/>
+                      </a:endParaRPr>
+                    </a:p>
+                  </a:txBody>
+                  <a:tcPr/>
+                </a:tc>
+                <a:extLst>
+                  <a:ext uri="{0D108BD9-81ED-4DB2-BD59-A6C34878D82A}">
+                    <a16:rowId xmlns:a16="http://schemas.microsoft.com/office/drawing/2014/main" val="2694326662"/>
+                  </a:ext>
+                </a:extLst>
+              </a:tr>
+            </a:tbl>
+          </a:graphicData>
+        </a:graphic>
+      </p:graphicFrame>
+    </p:spTree>
+    <p:extLst>
+      <p:ext uri="{BB962C8B-B14F-4D97-AF65-F5344CB8AC3E}">
+        <p14:creationId xmlns:p14="http://schemas.microsoft.com/office/powerpoint/2010/main" val="473074667"/>
+      </p:ext>
+    </p:extLst>
+  </p:cSld>
+  <p:clrMapOvr>
+    <a:masterClrMapping/>
+  </p:clrMapOvr>
+</p:sld>
+</file>
+
+<file path=ppt/slides/slide3.xml><?xml version="1.0" encoding="utf-8"?>
+<p:sld xmlns:a="http://schemas.openxmlformats.org/drawingml/2006/main" xmlns:r="http://schemas.openxmlformats.org/officeDocument/2006/relationships" xmlns:p="http://schemas.openxmlformats.org/presentationml/2006/main">
+  <p:cSld>
+    <p:spTree>
+      <p:nvGrpSpPr>
+        <p:cNvPr id="1" name=""/>
+        <p:cNvGrpSpPr/>
+        <p:nvPr/>
+      </p:nvGrpSpPr>
+      <p:grpSpPr>
+        <a:xfrm>
+          <a:off x="0" y="0"/>
+          <a:ext cx="0" cy="0"/>
+          <a:chOff x="0" y="0"/>
+          <a:chExt cx="0" cy="0"/>
+        </a:xfrm>
+      </p:grpSpPr>
+      <p:pic>
+        <p:nvPicPr>
+          <p:cNvPr id="5" name="內容版面配置區 4">
+            <a:extLst>
+              <a:ext uri="{FF2B5EF4-FFF2-40B4-BE49-F238E27FC236}">
+                <a16:creationId xmlns:a16="http://schemas.microsoft.com/office/drawing/2014/main" id="{51A2EF26-4F74-4176-BCCE-87A9CFB740A9}"/>
+              </a:ext>
+            </a:extLst>
+          </p:cNvPr>
+          <p:cNvPicPr>
+            <a:picLocks noGrp="1" noChangeAspect="1"/>
+          </p:cNvPicPr>
+          <p:nvPr>
+            <p:ph idx="1"/>
+          </p:nvPr>
+        </p:nvPicPr>
+        <p:blipFill>
+          <a:blip r:embed="rId2">
+            <a:extLst>
+              <a:ext uri="{28A0092B-C50C-407E-A947-70E740481C1C}">
+                <a14:useLocalDpi xmlns:a14="http://schemas.microsoft.com/office/drawing/2010/main" val="0"/>
+              </a:ext>
+            </a:extLst>
+          </a:blip>
+          <a:stretch>
+            <a:fillRect/>
+          </a:stretch>
+        </p:blipFill>
+        <p:spPr>
+          <a:xfrm>
+            <a:off x="2737909" y="1201738"/>
+            <a:ext cx="6716182" cy="5037137"/>
+          </a:xfrm>
+        </p:spPr>
+      </p:pic>
+      <p:sp>
+        <p:nvSpPr>
+          <p:cNvPr id="3" name="標題 2">
+            <a:extLst>
+              <a:ext uri="{FF2B5EF4-FFF2-40B4-BE49-F238E27FC236}">
+                <a16:creationId xmlns:a16="http://schemas.microsoft.com/office/drawing/2014/main" id="{8284EFE1-C1E4-6904-FCA8-AFF1B417145C}"/>
+              </a:ext>
+            </a:extLst>
+          </p:cNvPr>
+          <p:cNvSpPr>
+            <a:spLocks noGrp="1"/>
+          </p:cNvSpPr>
+          <p:nvPr>
+            <p:ph type="title"/>
+          </p:nvPr>
+        </p:nvSpPr>
+        <p:spPr/>
+        <p:txBody>
+          <a:bodyPr/>
+          <a:lstStyle/>
+          <a:p>
+            <a:r>
+              <a:rPr lang="en-US" altLang="zh-TW" dirty="0" err="1"/>
+              <a:t>hsv</a:t>
+            </a:r>
+            <a:r>
+              <a:rPr lang="zh-TW" altLang="en-US" dirty="0"/>
+              <a:t>結果</a:t>
+            </a:r>
+          </a:p>
+        </p:txBody>
+      </p:sp>
+    </p:spTree>
+    <p:extLst>
+      <p:ext uri="{BB962C8B-B14F-4D97-AF65-F5344CB8AC3E}">
+        <p14:creationId xmlns:p14="http://schemas.microsoft.com/office/powerpoint/2010/main" val="321349264"/>
+      </p:ext>
+    </p:extLst>
+  </p:cSld>
+  <p:clrMapOvr>
+    <a:masterClrMapping/>
+  </p:clrMapOvr>
+</p:sld>
+</file>
+
+<file path=ppt/slides/slide4.xml><?xml version="1.0" encoding="utf-8"?>
+<p:sld xmlns:a="http://schemas.openxmlformats.org/drawingml/2006/main" xmlns:r="http://schemas.openxmlformats.org/officeDocument/2006/relationships" xmlns:p="http://schemas.openxmlformats.org/presentationml/2006/main">
+  <p:cSld>
+    <p:spTree>
+      <p:nvGrpSpPr>
         <p:cNvPr id="1" name=""/>
         <p:cNvGrpSpPr/>
         <p:nvPr/>
@@ -10721,7 +12445,7 @@
 </p:sld>
 </file>
 
-<file path=ppt/slides/slide3.xml><?xml version="1.0" encoding="utf-8"?>
+<file path=ppt/slides/slide5.xml><?xml version="1.0" encoding="utf-8"?>
 <p:sld xmlns:a="http://schemas.openxmlformats.org/drawingml/2006/main" xmlns:r="http://schemas.openxmlformats.org/officeDocument/2006/relationships" xmlns:p="http://schemas.openxmlformats.org/presentationml/2006/main">
   <p:cSld>
     <p:spTree>
@@ -11038,7 +12762,7 @@
 </p:sld>
 </file>
 
-<file path=ppt/slides/slide4.xml><?xml version="1.0" encoding="utf-8"?>
+<file path=ppt/slides/slide6.xml><?xml version="1.0" encoding="utf-8"?>
 <p:sld xmlns:a="http://schemas.openxmlformats.org/drawingml/2006/main" xmlns:r="http://schemas.openxmlformats.org/officeDocument/2006/relationships" xmlns:p="http://schemas.openxmlformats.org/presentationml/2006/main">
   <p:cSld>
     <p:spTree>
@@ -11135,7 +12859,7 @@
 </p:sld>
 </file>
 
-<file path=ppt/slides/slide5.xml><?xml version="1.0" encoding="utf-8"?>
+<file path=ppt/slides/slide7.xml><?xml version="1.0" encoding="utf-8"?>
 <p:sld xmlns:a="http://schemas.openxmlformats.org/drawingml/2006/main" xmlns:r="http://schemas.openxmlformats.org/officeDocument/2006/relationships" xmlns:p="http://schemas.openxmlformats.org/presentationml/2006/main">
   <p:cSld>
     <p:spTree>
@@ -11854,7 +13578,7 @@
 </p:sld>
 </file>
 
-<file path=ppt/slides/slide6.xml><?xml version="1.0" encoding="utf-8"?>
+<file path=ppt/slides/slide8.xml><?xml version="1.0" encoding="utf-8"?>
 <p:sld xmlns:a="http://schemas.openxmlformats.org/drawingml/2006/main" xmlns:r="http://schemas.openxmlformats.org/officeDocument/2006/relationships" xmlns:p="http://schemas.openxmlformats.org/presentationml/2006/main">
   <p:cSld>
     <p:spTree>
@@ -12360,7 +14084,7 @@
 </p:sld>
 </file>
 
-<file path=ppt/slides/slide7.xml><?xml version="1.0" encoding="utf-8"?>
+<file path=ppt/slides/slide9.xml><?xml version="1.0" encoding="utf-8"?>
 <p:sld xmlns:a="http://schemas.openxmlformats.org/drawingml/2006/main" xmlns:r="http://schemas.openxmlformats.org/officeDocument/2006/relationships" xmlns:p="http://schemas.openxmlformats.org/presentationml/2006/main">
   <p:cSld>
     <p:spTree>
@@ -12448,935 +14172,6 @@
     <p:extLst>
       <p:ext uri="{BB962C8B-B14F-4D97-AF65-F5344CB8AC3E}">
         <p14:creationId xmlns:p14="http://schemas.microsoft.com/office/powerpoint/2010/main" val="3633120650"/>
-      </p:ext>
-    </p:extLst>
-  </p:cSld>
-  <p:clrMapOvr>
-    <a:masterClrMapping/>
-  </p:clrMapOvr>
-</p:sld>
-</file>
-
-<file path=ppt/slides/slide8.xml><?xml version="1.0" encoding="utf-8"?>
-<p:sld xmlns:a="http://schemas.openxmlformats.org/drawingml/2006/main" xmlns:r="http://schemas.openxmlformats.org/officeDocument/2006/relationships" xmlns:p="http://schemas.openxmlformats.org/presentationml/2006/main">
-  <p:cSld>
-    <p:spTree>
-      <p:nvGrpSpPr>
-        <p:cNvPr id="1" name=""/>
-        <p:cNvGrpSpPr/>
-        <p:nvPr/>
-      </p:nvGrpSpPr>
-      <p:grpSpPr>
-        <a:xfrm>
-          <a:off x="0" y="0"/>
-          <a:ext cx="0" cy="0"/>
-          <a:chOff x="0" y="0"/>
-          <a:chExt cx="0" cy="0"/>
-        </a:xfrm>
-      </p:grpSpPr>
-      <p:sp>
-        <p:nvSpPr>
-          <p:cNvPr id="2" name="內容版面配置區 1">
-            <a:extLst>
-              <a:ext uri="{FF2B5EF4-FFF2-40B4-BE49-F238E27FC236}">
-                <a16:creationId xmlns:a16="http://schemas.microsoft.com/office/drawing/2014/main" id="{5F1DE01D-F10D-0510-4D90-46E09D465281}"/>
-              </a:ext>
-            </a:extLst>
-          </p:cNvPr>
-          <p:cNvSpPr>
-            <a:spLocks noGrp="1"/>
-          </p:cNvSpPr>
-          <p:nvPr>
-            <p:ph idx="1"/>
-          </p:nvPr>
-        </p:nvSpPr>
-        <p:spPr/>
-        <p:txBody>
-          <a:bodyPr/>
-          <a:lstStyle/>
-          <a:p>
-            <a:r>
-              <a:rPr lang="zh-TW" altLang="en-US" dirty="0"/>
-              <a:t>功能描述 </a:t>
-            </a:r>
-            <a:r>
-              <a:rPr lang="en-US" altLang="zh-TW" dirty="0"/>
-              <a:t>:</a:t>
-            </a:r>
-            <a:r>
-              <a:rPr lang="zh-TW" altLang="en-US" dirty="0"/>
-              <a:t> </a:t>
-            </a:r>
-            <a:r>
-              <a:rPr lang="en-US" altLang="zh-TW" dirty="0"/>
-              <a:t>LBP </a:t>
-            </a:r>
-            <a:r>
-              <a:rPr lang="zh-TW" altLang="en-US" dirty="0"/>
-              <a:t>直方圖是對 </a:t>
-            </a:r>
-            <a:r>
-              <a:rPr lang="en-US" altLang="zh-TW" dirty="0"/>
-              <a:t>LBP </a:t>
-            </a:r>
-            <a:r>
-              <a:rPr lang="zh-TW" altLang="en-US" dirty="0"/>
-              <a:t>特徵圖統計各個 </a:t>
-            </a:r>
-            <a:r>
-              <a:rPr lang="en-US" altLang="zh-TW" dirty="0"/>
-              <a:t>LBP </a:t>
-            </a:r>
-            <a:r>
-              <a:rPr lang="zh-TW" altLang="en-US" dirty="0"/>
-              <a:t>值出現的頻率</a:t>
-            </a:r>
-            <a:r>
-              <a:rPr lang="en-US" altLang="zh-TW" dirty="0"/>
-              <a:t>,</a:t>
-            </a:r>
-            <a:r>
-              <a:rPr lang="zh-TW" altLang="en-US" dirty="0"/>
-              <a:t>用於描述圖像的紋理特徵。它是 </a:t>
-            </a:r>
-            <a:r>
-              <a:rPr lang="en-US" altLang="zh-TW" dirty="0"/>
-              <a:t>LBP </a:t>
-            </a:r>
-            <a:r>
-              <a:rPr lang="zh-TW" altLang="en-US" dirty="0"/>
-              <a:t>算法中常用的特徵表示形式</a:t>
-            </a:r>
-            <a:r>
-              <a:rPr lang="en-US" altLang="zh-TW" dirty="0"/>
-              <a:t>,</a:t>
-            </a:r>
-            <a:r>
-              <a:rPr lang="zh-TW" altLang="en-US" dirty="0"/>
-              <a:t>在圖像分類、人臉識別等領域廣泛應用。</a:t>
-            </a:r>
-            <a:endParaRPr lang="en-US" altLang="zh-TW" dirty="0"/>
-          </a:p>
-          <a:p>
-            <a:r>
-              <a:rPr lang="zh-TW" altLang="en-US" dirty="0"/>
-              <a:t>函式 </a:t>
-            </a:r>
-            <a:r>
-              <a:rPr lang="en-US" altLang="zh-TW" dirty="0"/>
-              <a:t>:</a:t>
-            </a:r>
-            <a:r>
-              <a:rPr lang="zh-TW" altLang="en-US" dirty="0"/>
-              <a:t> </a:t>
-            </a:r>
-            <a:r>
-              <a:rPr lang="en-US" altLang="zh-TW" dirty="0">
-                <a:effectLst/>
-              </a:rPr>
-              <a:t>def</a:t>
-            </a:r>
-            <a:r>
-              <a:rPr lang="en-US" altLang="zh-TW" dirty="0"/>
-              <a:t> </a:t>
-            </a:r>
-            <a:r>
-              <a:rPr lang="en-US" altLang="zh-TW" dirty="0" err="1">
-                <a:effectLst/>
-              </a:rPr>
-              <a:t>lbp_histogram</a:t>
-            </a:r>
-            <a:r>
-              <a:rPr lang="en-US" altLang="zh-TW" dirty="0">
-                <a:effectLst/>
-              </a:rPr>
-              <a:t>(</a:t>
-            </a:r>
-            <a:r>
-              <a:rPr lang="en-US" altLang="zh-TW" dirty="0" err="1"/>
-              <a:t>lbp_image</a:t>
-            </a:r>
-            <a:r>
-              <a:rPr lang="en-US" altLang="zh-TW" dirty="0">
-                <a:effectLst/>
-              </a:rPr>
-              <a:t>,</a:t>
-            </a:r>
-            <a:r>
-              <a:rPr lang="en-US" altLang="zh-TW" dirty="0"/>
-              <a:t> normalize</a:t>
-            </a:r>
-            <a:r>
-              <a:rPr lang="en-US" altLang="zh-TW" dirty="0">
-                <a:effectLst/>
-              </a:rPr>
-              <a:t>=True)</a:t>
-            </a:r>
-          </a:p>
-          <a:p>
-            <a:endParaRPr lang="en-US" altLang="zh-TW" dirty="0"/>
-          </a:p>
-          <a:p>
-            <a:endParaRPr lang="en-US" altLang="zh-TW" dirty="0">
-              <a:effectLst/>
-            </a:endParaRPr>
-          </a:p>
-          <a:p>
-            <a:endParaRPr lang="en-US" altLang="zh-TW" dirty="0"/>
-          </a:p>
-          <a:p>
-            <a:endParaRPr lang="en-US" altLang="zh-TW" dirty="0">
-              <a:effectLst/>
-            </a:endParaRPr>
-          </a:p>
-          <a:p>
-            <a:r>
-              <a:rPr lang="zh-TW" altLang="en-US" dirty="0"/>
-              <a:t>返回值 </a:t>
-            </a:r>
-            <a:r>
-              <a:rPr lang="en-US" altLang="zh-TW" dirty="0"/>
-              <a:t>:</a:t>
-            </a:r>
-            <a:r>
-              <a:rPr lang="zh-TW" altLang="en-US" dirty="0"/>
-              <a:t> </a:t>
-            </a:r>
-            <a:r>
-              <a:rPr lang="en-US" altLang="zh-TW" dirty="0" err="1"/>
-              <a:t>numpy.ndarray</a:t>
-            </a:r>
-            <a:r>
-              <a:rPr lang="zh-TW" altLang="en-US" dirty="0"/>
-              <a:t>、</a:t>
-            </a:r>
-            <a:r>
-              <a:rPr lang="en-US" altLang="zh-TW" dirty="0" err="1"/>
-              <a:t>lbp</a:t>
-            </a:r>
-            <a:r>
-              <a:rPr lang="zh-TW" altLang="en-US" dirty="0"/>
-              <a:t>直方圖</a:t>
-            </a:r>
-            <a:endParaRPr lang="en-US" altLang="zh-TW" dirty="0">
-              <a:effectLst/>
-            </a:endParaRPr>
-          </a:p>
-          <a:p>
-            <a:endParaRPr lang="en-US" altLang="zh-TW" dirty="0"/>
-          </a:p>
-        </p:txBody>
-      </p:sp>
-      <p:sp>
-        <p:nvSpPr>
-          <p:cNvPr id="3" name="標題 2">
-            <a:extLst>
-              <a:ext uri="{FF2B5EF4-FFF2-40B4-BE49-F238E27FC236}">
-                <a16:creationId xmlns:a16="http://schemas.microsoft.com/office/drawing/2014/main" id="{E46AAC44-021F-AA42-52E0-04F281604C1C}"/>
-              </a:ext>
-            </a:extLst>
-          </p:cNvPr>
-          <p:cNvSpPr>
-            <a:spLocks noGrp="1"/>
-          </p:cNvSpPr>
-          <p:nvPr>
-            <p:ph type="title"/>
-          </p:nvPr>
-        </p:nvSpPr>
-        <p:spPr/>
-        <p:txBody>
-          <a:bodyPr/>
-          <a:lstStyle/>
-          <a:p>
-            <a:r>
-              <a:rPr lang="en-US" altLang="zh-TW" dirty="0"/>
-              <a:t>histogram</a:t>
-            </a:r>
-            <a:endParaRPr lang="zh-TW" altLang="en-US" dirty="0"/>
-          </a:p>
-        </p:txBody>
-      </p:sp>
-      <p:graphicFrame>
-        <p:nvGraphicFramePr>
-          <p:cNvPr id="4" name="表格 8">
-            <a:extLst>
-              <a:ext uri="{FF2B5EF4-FFF2-40B4-BE49-F238E27FC236}">
-                <a16:creationId xmlns:a16="http://schemas.microsoft.com/office/drawing/2014/main" id="{D64CD24B-2B25-7193-54E6-F69EA5941A4A}"/>
-              </a:ext>
-            </a:extLst>
-          </p:cNvPr>
-          <p:cNvGraphicFramePr>
-            <a:graphicFrameLocks noGrp="1"/>
-          </p:cNvGraphicFramePr>
-          <p:nvPr>
-            <p:extLst>
-              <p:ext uri="{D42A27DB-BD31-4B8C-83A1-F6EECF244321}">
-                <p14:modId xmlns:p14="http://schemas.microsoft.com/office/powerpoint/2010/main" val="2687758648"/>
-              </p:ext>
-            </p:extLst>
-          </p:nvPr>
-        </p:nvGraphicFramePr>
-        <p:xfrm>
-          <a:off x="987491" y="1981419"/>
-          <a:ext cx="10929258" cy="972495"/>
-        </p:xfrm>
-        <a:graphic>
-          <a:graphicData uri="http://schemas.openxmlformats.org/drawingml/2006/table">
-            <a:tbl>
-              <a:tblPr firstRow="1" bandRow="1">
-                <a:tableStyleId>{5C22544A-7EE6-4342-B048-85BDC9FD1C3A}</a:tableStyleId>
-              </a:tblPr>
-              <a:tblGrid>
-                <a:gridCol w="3224414">
-                  <a:extLst>
-                    <a:ext uri="{9D8B030D-6E8A-4147-A177-3AD203B41FA5}">
-                      <a16:colId xmlns:a16="http://schemas.microsoft.com/office/drawing/2014/main" val="175491985"/>
-                    </a:ext>
-                  </a:extLst>
-                </a:gridCol>
-                <a:gridCol w="1624474">
-                  <a:extLst>
-                    <a:ext uri="{9D8B030D-6E8A-4147-A177-3AD203B41FA5}">
-                      <a16:colId xmlns:a16="http://schemas.microsoft.com/office/drawing/2014/main" val="822259094"/>
-                    </a:ext>
-                  </a:extLst>
-                </a:gridCol>
-                <a:gridCol w="6080370">
-                  <a:extLst>
-                    <a:ext uri="{9D8B030D-6E8A-4147-A177-3AD203B41FA5}">
-                      <a16:colId xmlns:a16="http://schemas.microsoft.com/office/drawing/2014/main" val="4104166654"/>
-                    </a:ext>
-                  </a:extLst>
-                </a:gridCol>
-              </a:tblGrid>
-              <a:tr h="298300">
-                <a:tc>
-                  <a:txBody>
-                    <a:bodyPr/>
-                    <a:lstStyle/>
-                    <a:p>
-                      <a:r>
-                        <a:rPr lang="zh-TW" altLang="en-US" sz="1200" baseline="0" dirty="0">
-                          <a:latin typeface="標楷體" panose="03000509000000000000" pitchFamily="65" charset="-120"/>
-                          <a:ea typeface="標楷體" panose="03000509000000000000" pitchFamily="65" charset="-120"/>
-                        </a:rPr>
-                        <a:t>參數</a:t>
-                      </a:r>
-                    </a:p>
-                  </a:txBody>
-                  <a:tcPr/>
-                </a:tc>
-                <a:tc>
-                  <a:txBody>
-                    <a:bodyPr/>
-                    <a:lstStyle/>
-                    <a:p>
-                      <a:r>
-                        <a:rPr lang="zh-TW" altLang="en-US" sz="1200" baseline="0" dirty="0">
-                          <a:latin typeface="標楷體" panose="03000509000000000000" pitchFamily="65" charset="-120"/>
-                          <a:ea typeface="標楷體" panose="03000509000000000000" pitchFamily="65" charset="-120"/>
-                        </a:rPr>
-                        <a:t>類型</a:t>
-                      </a:r>
-                    </a:p>
-                  </a:txBody>
-                  <a:tcPr/>
-                </a:tc>
-                <a:tc>
-                  <a:txBody>
-                    <a:bodyPr/>
-                    <a:lstStyle/>
-                    <a:p>
-                      <a:r>
-                        <a:rPr lang="zh-TW" altLang="en-US" sz="1200" baseline="0" dirty="0">
-                          <a:latin typeface="標楷體" panose="03000509000000000000" pitchFamily="65" charset="-120"/>
-                          <a:ea typeface="標楷體" panose="03000509000000000000" pitchFamily="65" charset="-120"/>
-                        </a:rPr>
-                        <a:t>說明</a:t>
-                      </a:r>
-                    </a:p>
-                  </a:txBody>
-                  <a:tcPr/>
-                </a:tc>
-                <a:extLst>
-                  <a:ext uri="{0D108BD9-81ED-4DB2-BD59-A6C34878D82A}">
-                    <a16:rowId xmlns:a16="http://schemas.microsoft.com/office/drawing/2014/main" val="3131740815"/>
-                  </a:ext>
-                </a:extLst>
-              </a:tr>
-              <a:tr h="367125">
-                <a:tc>
-                  <a:txBody>
-                    <a:bodyPr/>
-                    <a:lstStyle/>
-                    <a:p>
-                      <a:r>
-                        <a:rPr lang="en-US" altLang="zh-TW" sz="1200" dirty="0" err="1">
-                          <a:latin typeface="Times New Roman" panose="02020603050405020304" pitchFamily="18" charset="0"/>
-                          <a:cs typeface="Times New Roman" panose="02020603050405020304" pitchFamily="18" charset="0"/>
-                        </a:rPr>
-                        <a:t>lbp_image</a:t>
-                      </a:r>
-                      <a:r>
-                        <a:rPr lang="en-US" altLang="zh-TW" sz="1200" dirty="0">
-                          <a:latin typeface="Times New Roman" panose="02020603050405020304" pitchFamily="18" charset="0"/>
-                          <a:cs typeface="Times New Roman" panose="02020603050405020304" pitchFamily="18" charset="0"/>
-                        </a:rPr>
-                        <a:t>: </a:t>
-                      </a:r>
-                      <a:r>
-                        <a:rPr lang="zh-TW" altLang="en-US" sz="1200" dirty="0">
-                          <a:latin typeface="標楷體" panose="03000509000000000000" pitchFamily="65" charset="-120"/>
-                          <a:ea typeface="標楷體" panose="03000509000000000000" pitchFamily="65" charset="-120"/>
-                        </a:rPr>
-                        <a:t>輸入 </a:t>
-                      </a:r>
-                      <a:r>
-                        <a:rPr lang="en-US" altLang="zh-TW" sz="1200" dirty="0">
-                          <a:latin typeface="標楷體" panose="03000509000000000000" pitchFamily="65" charset="-120"/>
-                          <a:ea typeface="標楷體" panose="03000509000000000000" pitchFamily="65" charset="-120"/>
-                        </a:rPr>
-                        <a:t>LBP </a:t>
-                      </a:r>
-                      <a:r>
-                        <a:rPr lang="zh-TW" altLang="en-US" sz="1200" dirty="0">
-                          <a:latin typeface="標楷體" panose="03000509000000000000" pitchFamily="65" charset="-120"/>
-                          <a:ea typeface="標楷體" panose="03000509000000000000" pitchFamily="65" charset="-120"/>
-                        </a:rPr>
-                        <a:t>特徵圖</a:t>
-                      </a:r>
-                      <a:endParaRPr lang="en-US" altLang="zh-TW" sz="1200" baseline="0" dirty="0">
-                        <a:latin typeface="標楷體" panose="03000509000000000000" pitchFamily="65" charset="-120"/>
-                        <a:ea typeface="標楷體" panose="03000509000000000000" pitchFamily="65" charset="-120"/>
-                        <a:cs typeface="Times New Roman" panose="02020603050405020304" pitchFamily="18" charset="0"/>
-                      </a:endParaRPr>
-                    </a:p>
-                  </a:txBody>
-                  <a:tcPr/>
-                </a:tc>
-                <a:tc>
-                  <a:txBody>
-                    <a:bodyPr/>
-                    <a:lstStyle/>
-                    <a:p>
-                      <a:r>
-                        <a:rPr lang="en-US" altLang="zh-TW" sz="1200" baseline="0" dirty="0">
-                          <a:latin typeface="Times New Roman" panose="02020603050405020304" pitchFamily="18" charset="0"/>
-                          <a:ea typeface="標楷體" panose="03000509000000000000" pitchFamily="65" charset="-120"/>
-                          <a:cs typeface="Times New Roman" panose="02020603050405020304" pitchFamily="18" charset="0"/>
-                        </a:rPr>
-                        <a:t>numpy.ndarray</a:t>
-                      </a:r>
-                      <a:endParaRPr lang="zh-TW" altLang="en-US" sz="1200" baseline="0" dirty="0">
-                        <a:latin typeface="Times New Roman" panose="02020603050405020304" pitchFamily="18" charset="0"/>
-                        <a:ea typeface="標楷體" panose="03000509000000000000" pitchFamily="65" charset="-120"/>
-                        <a:cs typeface="Times New Roman" panose="02020603050405020304" pitchFamily="18" charset="0"/>
-                      </a:endParaRPr>
-                    </a:p>
-                  </a:txBody>
-                  <a:tcPr/>
-                </a:tc>
-                <a:tc>
-                  <a:txBody>
-                    <a:bodyPr/>
-                    <a:lstStyle/>
-                    <a:p>
-                      <a:r>
-                        <a:rPr lang="zh-TW" altLang="en-US" sz="1200" dirty="0">
-                          <a:latin typeface="標楷體" panose="03000509000000000000" pitchFamily="65" charset="-120"/>
-                          <a:ea typeface="標楷體" panose="03000509000000000000" pitchFamily="65" charset="-120"/>
-                        </a:rPr>
-                        <a:t>必須是單通道 </a:t>
-                      </a:r>
-                      <a:r>
-                        <a:rPr lang="en-US" altLang="zh-TW" sz="1200" dirty="0">
-                          <a:latin typeface="Times New Roman" panose="02020603050405020304" pitchFamily="18" charset="0"/>
-                          <a:ea typeface="標楷體" panose="03000509000000000000" pitchFamily="65" charset="-120"/>
-                          <a:cs typeface="Times New Roman" panose="02020603050405020304" pitchFamily="18" charset="0"/>
-                        </a:rPr>
-                        <a:t>uint8</a:t>
-                      </a:r>
-                      <a:r>
-                        <a:rPr lang="en-US" altLang="zh-TW" sz="1200" dirty="0">
-                          <a:latin typeface="標楷體" panose="03000509000000000000" pitchFamily="65" charset="-120"/>
-                          <a:ea typeface="標楷體" panose="03000509000000000000" pitchFamily="65" charset="-120"/>
-                        </a:rPr>
-                        <a:t> </a:t>
-                      </a:r>
-                      <a:r>
-                        <a:rPr lang="zh-TW" altLang="en-US" sz="1200" dirty="0">
-                          <a:latin typeface="標楷體" panose="03000509000000000000" pitchFamily="65" charset="-120"/>
-                          <a:ea typeface="標楷體" panose="03000509000000000000" pitchFamily="65" charset="-120"/>
-                        </a:rPr>
-                        <a:t>格式的 </a:t>
-                      </a:r>
-                      <a:r>
-                        <a:rPr lang="en-US" altLang="zh-TW" sz="1200" dirty="0">
-                          <a:latin typeface="Times New Roman" panose="02020603050405020304" pitchFamily="18" charset="0"/>
-                          <a:ea typeface="標楷體" panose="03000509000000000000" pitchFamily="65" charset="-120"/>
-                          <a:cs typeface="Times New Roman" panose="02020603050405020304" pitchFamily="18" charset="0"/>
-                        </a:rPr>
-                        <a:t>LBP</a:t>
-                      </a:r>
-                      <a:r>
-                        <a:rPr lang="en-US" altLang="zh-TW" sz="1200" dirty="0">
-                          <a:latin typeface="標楷體" panose="03000509000000000000" pitchFamily="65" charset="-120"/>
-                          <a:ea typeface="標楷體" panose="03000509000000000000" pitchFamily="65" charset="-120"/>
-                        </a:rPr>
-                        <a:t> </a:t>
-                      </a:r>
-                      <a:r>
-                        <a:rPr lang="zh-TW" altLang="en-US" sz="1200" dirty="0">
-                          <a:latin typeface="標楷體" panose="03000509000000000000" pitchFamily="65" charset="-120"/>
-                          <a:ea typeface="標楷體" panose="03000509000000000000" pitchFamily="65" charset="-120"/>
-                        </a:rPr>
-                        <a:t>特徵圖</a:t>
-                      </a:r>
-                      <a:endParaRPr lang="zh-TW" altLang="en-US" sz="1200" baseline="0" dirty="0">
-                        <a:latin typeface="標楷體" panose="03000509000000000000" pitchFamily="65" charset="-120"/>
-                        <a:ea typeface="標楷體" panose="03000509000000000000" pitchFamily="65" charset="-120"/>
-                        <a:cs typeface="Times New Roman" panose="02020603050405020304" pitchFamily="18" charset="0"/>
-                      </a:endParaRPr>
-                    </a:p>
-                  </a:txBody>
-                  <a:tcPr/>
-                </a:tc>
-                <a:extLst>
-                  <a:ext uri="{0D108BD9-81ED-4DB2-BD59-A6C34878D82A}">
-                    <a16:rowId xmlns:a16="http://schemas.microsoft.com/office/drawing/2014/main" val="2878939569"/>
-                  </a:ext>
-                </a:extLst>
-              </a:tr>
-              <a:tr h="307070">
-                <a:tc>
-                  <a:txBody>
-                    <a:bodyPr/>
-                    <a:lstStyle/>
-                    <a:p>
-                      <a:r>
-                        <a:rPr lang="en-US" altLang="zh-TW" sz="1200" dirty="0">
-                          <a:latin typeface="Times New Roman" panose="02020603050405020304" pitchFamily="18" charset="0"/>
-                          <a:cs typeface="Times New Roman" panose="02020603050405020304" pitchFamily="18" charset="0"/>
-                        </a:rPr>
-                        <a:t>normalize</a:t>
-                      </a:r>
-                      <a:r>
-                        <a:rPr lang="en-US" altLang="zh-TW" sz="1200" dirty="0"/>
-                        <a:t>: </a:t>
-                      </a:r>
-                      <a:r>
-                        <a:rPr lang="zh-TW" altLang="en-US" sz="1200" dirty="0">
-                          <a:latin typeface="標楷體" panose="03000509000000000000" pitchFamily="65" charset="-120"/>
-                          <a:ea typeface="標楷體" panose="03000509000000000000" pitchFamily="65" charset="-120"/>
-                        </a:rPr>
-                        <a:t>是否對直方圖進行歸一化</a:t>
-                      </a:r>
-                      <a:endParaRPr lang="zh-TW" altLang="en-US" sz="1200" baseline="0" dirty="0">
-                        <a:latin typeface="標楷體" panose="03000509000000000000" pitchFamily="65" charset="-120"/>
-                        <a:ea typeface="標楷體" panose="03000509000000000000" pitchFamily="65" charset="-120"/>
-                      </a:endParaRPr>
-                    </a:p>
-                  </a:txBody>
-                  <a:tcPr/>
-                </a:tc>
-                <a:tc>
-                  <a:txBody>
-                    <a:bodyPr/>
-                    <a:lstStyle/>
-                    <a:p>
-                      <a:r>
-                        <a:rPr lang="en-US" altLang="zh-TW" sz="1200" baseline="0" dirty="0">
-                          <a:latin typeface="Times New Roman" panose="02020603050405020304" pitchFamily="18" charset="0"/>
-                          <a:ea typeface="標楷體" panose="03000509000000000000" pitchFamily="65" charset="-120"/>
-                          <a:cs typeface="Times New Roman" panose="02020603050405020304" pitchFamily="18" charset="0"/>
-                        </a:rPr>
-                        <a:t>bool</a:t>
-                      </a:r>
-                      <a:endParaRPr lang="zh-TW" altLang="en-US" sz="1200" baseline="0" dirty="0">
-                        <a:latin typeface="Times New Roman" panose="02020603050405020304" pitchFamily="18" charset="0"/>
-                        <a:ea typeface="標楷體" panose="03000509000000000000" pitchFamily="65" charset="-120"/>
-                        <a:cs typeface="Times New Roman" panose="02020603050405020304" pitchFamily="18" charset="0"/>
-                      </a:endParaRPr>
-                    </a:p>
-                  </a:txBody>
-                  <a:tcPr/>
-                </a:tc>
-                <a:tc>
-                  <a:txBody>
-                    <a:bodyPr/>
-                    <a:lstStyle/>
-                    <a:p>
-                      <a:r>
-                        <a:rPr lang="zh-TW" altLang="en-US" sz="1200" dirty="0">
-                          <a:latin typeface="標楷體" panose="03000509000000000000" pitchFamily="65" charset="-120"/>
-                          <a:ea typeface="標楷體" panose="03000509000000000000" pitchFamily="65" charset="-120"/>
-                        </a:rPr>
-                        <a:t>如果設為 </a:t>
-                      </a:r>
-                      <a:r>
-                        <a:rPr lang="en-US" altLang="zh-TW" sz="1200" dirty="0">
-                          <a:latin typeface="Times New Roman" panose="02020603050405020304" pitchFamily="18" charset="0"/>
-                          <a:ea typeface="標楷體" panose="03000509000000000000" pitchFamily="65" charset="-120"/>
-                          <a:cs typeface="Times New Roman" panose="02020603050405020304" pitchFamily="18" charset="0"/>
-                        </a:rPr>
-                        <a:t>True</a:t>
-                      </a:r>
-                      <a:r>
-                        <a:rPr lang="en-US" altLang="zh-TW" sz="1200" dirty="0">
-                          <a:latin typeface="標楷體" panose="03000509000000000000" pitchFamily="65" charset="-120"/>
-                          <a:ea typeface="標楷體" panose="03000509000000000000" pitchFamily="65" charset="-120"/>
-                        </a:rPr>
-                        <a:t>,</a:t>
-                      </a:r>
-                      <a:r>
-                        <a:rPr lang="zh-TW" altLang="en-US" sz="1200" dirty="0">
-                          <a:latin typeface="標楷體" panose="03000509000000000000" pitchFamily="65" charset="-120"/>
-                          <a:ea typeface="標楷體" panose="03000509000000000000" pitchFamily="65" charset="-120"/>
-                        </a:rPr>
-                        <a:t>直方圖值會被歸一化到 </a:t>
-                      </a:r>
-                      <a:r>
-                        <a:rPr lang="en-US" altLang="zh-TW" sz="1200" dirty="0">
-                          <a:latin typeface="Times New Roman" panose="02020603050405020304" pitchFamily="18" charset="0"/>
-                          <a:ea typeface="標楷體" panose="03000509000000000000" pitchFamily="65" charset="-120"/>
-                          <a:cs typeface="Times New Roman" panose="02020603050405020304" pitchFamily="18" charset="0"/>
-                        </a:rPr>
-                        <a:t>[0, 1] </a:t>
-                      </a:r>
-                      <a:r>
-                        <a:rPr lang="zh-TW" altLang="en-US" sz="1200" dirty="0">
-                          <a:latin typeface="標楷體" panose="03000509000000000000" pitchFamily="65" charset="-120"/>
-                          <a:ea typeface="標楷體" panose="03000509000000000000" pitchFamily="65" charset="-120"/>
-                        </a:rPr>
-                        <a:t>範圍</a:t>
-                      </a:r>
-                      <a:endParaRPr lang="zh-TW" altLang="en-US" sz="1200" baseline="0" dirty="0">
-                        <a:latin typeface="標楷體" panose="03000509000000000000" pitchFamily="65" charset="-120"/>
-                        <a:ea typeface="標楷體" panose="03000509000000000000" pitchFamily="65" charset="-120"/>
-                      </a:endParaRPr>
-                    </a:p>
-                  </a:txBody>
-                  <a:tcPr/>
-                </a:tc>
-                <a:extLst>
-                  <a:ext uri="{0D108BD9-81ED-4DB2-BD59-A6C34878D82A}">
-                    <a16:rowId xmlns:a16="http://schemas.microsoft.com/office/drawing/2014/main" val="1245640404"/>
-                  </a:ext>
-                </a:extLst>
-              </a:tr>
-            </a:tbl>
-          </a:graphicData>
-        </a:graphic>
-      </p:graphicFrame>
-    </p:spTree>
-    <p:extLst>
-      <p:ext uri="{BB962C8B-B14F-4D97-AF65-F5344CB8AC3E}">
-        <p14:creationId xmlns:p14="http://schemas.microsoft.com/office/powerpoint/2010/main" val="926830042"/>
-      </p:ext>
-    </p:extLst>
-  </p:cSld>
-  <p:clrMapOvr>
-    <a:masterClrMapping/>
-  </p:clrMapOvr>
-</p:sld>
-</file>
-
-<file path=ppt/slides/slide9.xml><?xml version="1.0" encoding="utf-8"?>
-<p:sld xmlns:a="http://schemas.openxmlformats.org/drawingml/2006/main" xmlns:r="http://schemas.openxmlformats.org/officeDocument/2006/relationships" xmlns:p="http://schemas.openxmlformats.org/presentationml/2006/main">
-  <p:cSld>
-    <p:spTree>
-      <p:nvGrpSpPr>
-        <p:cNvPr id="1" name=""/>
-        <p:cNvGrpSpPr/>
-        <p:nvPr/>
-      </p:nvGrpSpPr>
-      <p:grpSpPr>
-        <a:xfrm>
-          <a:off x="0" y="0"/>
-          <a:ext cx="0" cy="0"/>
-          <a:chOff x="0" y="0"/>
-          <a:chExt cx="0" cy="0"/>
-        </a:xfrm>
-      </p:grpSpPr>
-      <p:pic>
-        <p:nvPicPr>
-          <p:cNvPr id="5" name="內容版面配置區 4">
-            <a:extLst>
-              <a:ext uri="{FF2B5EF4-FFF2-40B4-BE49-F238E27FC236}">
-                <a16:creationId xmlns:a16="http://schemas.microsoft.com/office/drawing/2014/main" id="{47AA69F5-260F-A07C-DEB9-B7094B373317}"/>
-              </a:ext>
-            </a:extLst>
-          </p:cNvPr>
-          <p:cNvPicPr>
-            <a:picLocks noGrp="1" noChangeAspect="1"/>
-          </p:cNvPicPr>
-          <p:nvPr>
-            <p:ph idx="1"/>
-          </p:nvPr>
-        </p:nvPicPr>
-        <p:blipFill>
-          <a:blip r:embed="rId2"/>
-          <a:stretch>
-            <a:fillRect/>
-          </a:stretch>
-        </p:blipFill>
-        <p:spPr>
-          <a:xfrm>
-            <a:off x="838200" y="1211068"/>
-            <a:ext cx="7293442" cy="5037137"/>
-          </a:xfrm>
-        </p:spPr>
-      </p:pic>
-      <p:sp>
-        <p:nvSpPr>
-          <p:cNvPr id="3" name="標題 2">
-            <a:extLst>
-              <a:ext uri="{FF2B5EF4-FFF2-40B4-BE49-F238E27FC236}">
-                <a16:creationId xmlns:a16="http://schemas.microsoft.com/office/drawing/2014/main" id="{F9DCF863-F2AD-E8A8-B81C-1B5199B2EAD6}"/>
-              </a:ext>
-            </a:extLst>
-          </p:cNvPr>
-          <p:cNvSpPr>
-            <a:spLocks noGrp="1"/>
-          </p:cNvSpPr>
-          <p:nvPr>
-            <p:ph type="title"/>
-          </p:nvPr>
-        </p:nvSpPr>
-        <p:spPr/>
-        <p:txBody>
-          <a:bodyPr/>
-          <a:lstStyle/>
-          <a:p>
-            <a:r>
-              <a:rPr lang="en-US" altLang="zh-TW" dirty="0"/>
-              <a:t>histogram_</a:t>
-            </a:r>
-            <a:r>
-              <a:rPr lang="zh-TW" altLang="en-US" dirty="0"/>
-              <a:t>使用範例</a:t>
-            </a:r>
-          </a:p>
-        </p:txBody>
-      </p:sp>
-      <p:sp>
-        <p:nvSpPr>
-          <p:cNvPr id="7" name="文字方塊 6">
-            <a:extLst>
-              <a:ext uri="{FF2B5EF4-FFF2-40B4-BE49-F238E27FC236}">
-                <a16:creationId xmlns:a16="http://schemas.microsoft.com/office/drawing/2014/main" id="{85030A0C-FD38-CE2F-2CCC-880F5917B5CE}"/>
-              </a:ext>
-            </a:extLst>
-          </p:cNvPr>
-          <p:cNvSpPr txBox="1"/>
-          <p:nvPr/>
-        </p:nvSpPr>
-        <p:spPr>
-          <a:xfrm>
-            <a:off x="8201608" y="1211068"/>
-            <a:ext cx="3152192" cy="2585323"/>
-          </a:xfrm>
-          <a:prstGeom prst="rect">
-            <a:avLst/>
-          </a:prstGeom>
-          <a:noFill/>
-        </p:spPr>
-        <p:txBody>
-          <a:bodyPr wrap="square" rtlCol="0">
-            <a:spAutoFit/>
-          </a:bodyPr>
-          <a:lstStyle/>
-          <a:p>
-            <a:pPr marL="0" marR="0" lvl="0" indent="0" algn="l" defTabSz="914400" rtl="0" eaLnBrk="0" fontAlgn="base" latinLnBrk="0" hangingPunct="0">
-              <a:lnSpc>
-                <a:spcPct val="100000"/>
-              </a:lnSpc>
-              <a:spcBef>
-                <a:spcPct val="0"/>
-              </a:spcBef>
-              <a:spcAft>
-                <a:spcPct val="0"/>
-              </a:spcAft>
-              <a:buClrTx/>
-              <a:buSzTx/>
-              <a:buFontTx/>
-              <a:buNone/>
-              <a:tabLst/>
-            </a:pPr>
-            <a:endParaRPr kumimoji="0" lang="zh-TW" altLang="zh-TW" sz="1800" b="0" i="0" u="none" strike="noStrike" cap="none" normalizeH="0" baseline="0" dirty="0">
-              <a:ln>
-                <a:noFill/>
-              </a:ln>
-              <a:solidFill>
-                <a:schemeClr val="tx1"/>
-              </a:solidFill>
-              <a:effectLst/>
-              <a:latin typeface="Arial" panose="020B0604020202020204" pitchFamily="34" charset="0"/>
-            </a:endParaRPr>
-          </a:p>
-          <a:p>
-            <a:pPr marL="285750" marR="0" lvl="0" indent="-285750" algn="l" defTabSz="914400" rtl="0" eaLnBrk="0" fontAlgn="base" latinLnBrk="0" hangingPunct="0">
-              <a:lnSpc>
-                <a:spcPct val="100000"/>
-              </a:lnSpc>
-              <a:spcBef>
-                <a:spcPct val="0"/>
-              </a:spcBef>
-              <a:spcAft>
-                <a:spcPct val="0"/>
-              </a:spcAft>
-              <a:buClrTx/>
-              <a:buSzTx/>
-              <a:buFont typeface="Arial" panose="020B0604020202020204" pitchFamily="34" charset="0"/>
-              <a:buChar char="•"/>
-              <a:tabLst/>
-            </a:pPr>
-            <a:r>
-              <a:rPr kumimoji="0" lang="zh-TW" altLang="zh-TW" sz="1800" b="0" i="0" u="none" strike="noStrike" cap="none" normalizeH="0" baseline="0" dirty="0">
-                <a:ln>
-                  <a:noFill/>
-                </a:ln>
-                <a:solidFill>
-                  <a:schemeClr val="tx1"/>
-                </a:solidFill>
-                <a:effectLst/>
-                <a:latin typeface="標楷體" panose="03000509000000000000" pitchFamily="65" charset="-120"/>
-                <a:ea typeface="標楷體" panose="03000509000000000000" pitchFamily="65" charset="-120"/>
-              </a:rPr>
-              <a:t>輸入必須是單通道 </a:t>
-            </a:r>
-            <a:r>
-              <a:rPr kumimoji="0" lang="zh-TW" altLang="zh-TW" sz="1800" b="0" i="0" u="none" strike="noStrike" cap="none" normalizeH="0" baseline="0" dirty="0">
-                <a:ln>
-                  <a:noFill/>
-                </a:ln>
-                <a:solidFill>
-                  <a:schemeClr val="tx1"/>
-                </a:solidFill>
-                <a:effectLst/>
-                <a:latin typeface="Times New Roman" panose="02020603050405020304" pitchFamily="18" charset="0"/>
-                <a:ea typeface="標楷體" panose="03000509000000000000" pitchFamily="65" charset="-120"/>
-                <a:cs typeface="Times New Roman" panose="02020603050405020304" pitchFamily="18" charset="0"/>
-              </a:rPr>
-              <a:t>uint8</a:t>
-            </a:r>
-            <a:r>
-              <a:rPr kumimoji="0" lang="zh-TW" altLang="zh-TW" sz="1800" b="0" i="0" u="none" strike="noStrike" cap="none" normalizeH="0" baseline="0" dirty="0">
-                <a:ln>
-                  <a:noFill/>
-                </a:ln>
-                <a:solidFill>
-                  <a:schemeClr val="tx1"/>
-                </a:solidFill>
-                <a:effectLst/>
-                <a:latin typeface="標楷體" panose="03000509000000000000" pitchFamily="65" charset="-120"/>
-                <a:ea typeface="標楷體" panose="03000509000000000000" pitchFamily="65" charset="-120"/>
-              </a:rPr>
-              <a:t> 格式的 </a:t>
-            </a:r>
-            <a:r>
-              <a:rPr kumimoji="0" lang="zh-TW" altLang="zh-TW" sz="1800" b="0" i="0" u="none" strike="noStrike" cap="none" normalizeH="0" baseline="0" dirty="0">
-                <a:ln>
-                  <a:noFill/>
-                </a:ln>
-                <a:solidFill>
-                  <a:schemeClr val="tx1"/>
-                </a:solidFill>
-                <a:effectLst/>
-                <a:latin typeface="Times New Roman" panose="02020603050405020304" pitchFamily="18" charset="0"/>
-                <a:ea typeface="標楷體" panose="03000509000000000000" pitchFamily="65" charset="-120"/>
-                <a:cs typeface="Times New Roman" panose="02020603050405020304" pitchFamily="18" charset="0"/>
-              </a:rPr>
-              <a:t>LBP</a:t>
-            </a:r>
-            <a:r>
-              <a:rPr kumimoji="0" lang="zh-TW" altLang="zh-TW" sz="1800" b="0" i="0" u="none" strike="noStrike" cap="none" normalizeH="0" baseline="0" dirty="0">
-                <a:ln>
-                  <a:noFill/>
-                </a:ln>
-                <a:solidFill>
-                  <a:schemeClr val="tx1"/>
-                </a:solidFill>
-                <a:effectLst/>
-                <a:latin typeface="標楷體" panose="03000509000000000000" pitchFamily="65" charset="-120"/>
-                <a:ea typeface="標楷體" panose="03000509000000000000" pitchFamily="65" charset="-120"/>
-              </a:rPr>
-              <a:t> 特徵圖 </a:t>
-            </a:r>
-          </a:p>
-          <a:p>
-            <a:pPr marL="285750" marR="0" lvl="0" indent="-285750" algn="l" defTabSz="914400" rtl="0" eaLnBrk="0" fontAlgn="base" latinLnBrk="0" hangingPunct="0">
-              <a:lnSpc>
-                <a:spcPct val="100000"/>
-              </a:lnSpc>
-              <a:spcBef>
-                <a:spcPct val="0"/>
-              </a:spcBef>
-              <a:spcAft>
-                <a:spcPct val="0"/>
-              </a:spcAft>
-              <a:buClrTx/>
-              <a:buSzTx/>
-              <a:buFont typeface="Arial" panose="020B0604020202020204" pitchFamily="34" charset="0"/>
-              <a:buChar char="•"/>
-              <a:tabLst/>
-            </a:pPr>
-            <a:r>
-              <a:rPr kumimoji="0" lang="zh-TW" altLang="zh-TW" sz="1800" b="0" i="0" u="none" strike="noStrike" cap="none" normalizeH="0" baseline="0" dirty="0">
-                <a:ln>
-                  <a:noFill/>
-                </a:ln>
-                <a:solidFill>
-                  <a:schemeClr val="tx1"/>
-                </a:solidFill>
-                <a:effectLst/>
-                <a:latin typeface="標楷體" panose="03000509000000000000" pitchFamily="65" charset="-120"/>
-                <a:ea typeface="標楷體" panose="03000509000000000000" pitchFamily="65" charset="-120"/>
-              </a:rPr>
-              <a:t>歸一化後的直方圖值易於後續處理和比較 </a:t>
-            </a:r>
-          </a:p>
-          <a:p>
-            <a:pPr marL="285750" marR="0" lvl="0" indent="-285750" algn="l" defTabSz="914400" rtl="0" eaLnBrk="0" fontAlgn="base" latinLnBrk="0" hangingPunct="0">
-              <a:lnSpc>
-                <a:spcPct val="100000"/>
-              </a:lnSpc>
-              <a:spcBef>
-                <a:spcPct val="0"/>
-              </a:spcBef>
-              <a:spcAft>
-                <a:spcPct val="0"/>
-              </a:spcAft>
-              <a:buClrTx/>
-              <a:buSzTx/>
-              <a:buFont typeface="Arial" panose="020B0604020202020204" pitchFamily="34" charset="0"/>
-              <a:buChar char="•"/>
-              <a:tabLst/>
-            </a:pPr>
-            <a:r>
-              <a:rPr kumimoji="0" lang="zh-TW" altLang="zh-TW" sz="1800" b="0" i="0" u="none" strike="noStrike" cap="none" normalizeH="0" baseline="0" dirty="0">
-                <a:ln>
-                  <a:noFill/>
-                </a:ln>
-                <a:solidFill>
-                  <a:schemeClr val="tx1"/>
-                </a:solidFill>
-                <a:effectLst/>
-                <a:latin typeface="標楷體" panose="03000509000000000000" pitchFamily="65" charset="-120"/>
-                <a:ea typeface="標楷體" panose="03000509000000000000" pitchFamily="65" charset="-120"/>
-              </a:rPr>
-              <a:t>直方圖可用於各種基於紋理的圖像分類、檢索等任務 </a:t>
-            </a:r>
-          </a:p>
-          <a:p>
-            <a:endParaRPr lang="zh-TW" altLang="en-US" dirty="0"/>
-          </a:p>
-        </p:txBody>
-      </p:sp>
-    </p:spTree>
-    <p:extLst>
-      <p:ext uri="{BB962C8B-B14F-4D97-AF65-F5344CB8AC3E}">
-        <p14:creationId xmlns:p14="http://schemas.microsoft.com/office/powerpoint/2010/main" val="4172936876"/>
       </p:ext>
     </p:extLst>
   </p:cSld>
